--- a/2018-2019/build/Lecture 5.pptx
+++ b/2018-2019/build/Lecture 5.pptx
@@ -2173,7 +2173,7 @@
           </a:ln>
           <a:extLst>
             <a:ext uri="{C572A759-6A51-4108-AA02-DFA0A04FC94B}">
-              <ma14:wrappingTextBoxFlag xmlns:ma14="http://schemas.microsoft.com/office/mac/drawingml/2011/main" xmlns="" val="1"/>
+              <ma14:wrappingTextBoxFlag xmlns="" xmlns:ma14="http://schemas.microsoft.com/office/mac/drawingml/2011/main" val="1"/>
             </a:ext>
           </a:extLst>
         </p:spPr>
@@ -2212,7 +2212,7 @@
           </a:ln>
           <a:extLst>
             <a:ext uri="{C572A759-6A51-4108-AA02-DFA0A04FC94B}">
-              <ma14:wrappingTextBoxFlag xmlns:ma14="http://schemas.microsoft.com/office/mac/drawingml/2011/main" xmlns="" val="1"/>
+              <ma14:wrappingTextBoxFlag xmlns="" xmlns:ma14="http://schemas.microsoft.com/office/mac/drawingml/2011/main" val="1"/>
             </a:ext>
           </a:extLst>
         </p:spPr>
@@ -3609,7 +3609,7 @@
           </a:ln>
           <a:extLst>
             <a:ext uri="{C572A759-6A51-4108-AA02-DFA0A04FC94B}">
-              <ma14:wrappingTextBoxFlag xmlns:ma14="http://schemas.microsoft.com/office/mac/drawingml/2011/main" xmlns="" val="1"/>
+              <ma14:wrappingTextBoxFlag xmlns="" xmlns:ma14="http://schemas.microsoft.com/office/mac/drawingml/2011/main" val="1"/>
             </a:ext>
           </a:extLst>
         </p:spPr>
@@ -8199,7 +8199,7 @@
           </a:ln>
           <a:extLst>
             <a:ext uri="{C572A759-6A51-4108-AA02-DFA0A04FC94B}">
-              <ma14:wrappingTextBoxFlag xmlns:ma14="http://schemas.microsoft.com/office/mac/drawingml/2011/main" xmlns="" val="1"/>
+              <ma14:wrappingTextBoxFlag xmlns="" xmlns:ma14="http://schemas.microsoft.com/office/mac/drawingml/2011/main" val="1"/>
             </a:ext>
           </a:extLst>
         </p:spPr>
@@ -10088,7 +10088,7 @@
           </a:ln>
           <a:extLst>
             <a:ext uri="{C572A759-6A51-4108-AA02-DFA0A04FC94B}">
-              <ma14:wrappingTextBoxFlag xmlns:ma14="http://schemas.microsoft.com/office/mac/drawingml/2011/main" xmlns="" val="1"/>
+              <ma14:wrappingTextBoxFlag xmlns="" xmlns:ma14="http://schemas.microsoft.com/office/mac/drawingml/2011/main" val="1"/>
             </a:ext>
           </a:extLst>
         </p:spPr>
@@ -10135,7 +10135,7 @@
           </a:ln>
           <a:extLst>
             <a:ext uri="{C572A759-6A51-4108-AA02-DFA0A04FC94B}">
-              <ma14:wrappingTextBoxFlag xmlns:ma14="http://schemas.microsoft.com/office/mac/drawingml/2011/main" xmlns="" val="1"/>
+              <ma14:wrappingTextBoxFlag xmlns="" xmlns:ma14="http://schemas.microsoft.com/office/mac/drawingml/2011/main" val="1"/>
             </a:ext>
           </a:extLst>
         </p:spPr>
@@ -10428,7 +10428,7 @@
           </a:ln>
           <a:extLst>
             <a:ext uri="{C572A759-6A51-4108-AA02-DFA0A04FC94B}">
-              <ma14:wrappingTextBoxFlag xmlns:ma14="http://schemas.microsoft.com/office/mac/drawingml/2011/main" xmlns="" val="1"/>
+              <ma14:wrappingTextBoxFlag xmlns="" xmlns:ma14="http://schemas.microsoft.com/office/mac/drawingml/2011/main" val="1"/>
             </a:ext>
           </a:extLst>
         </p:spPr>
@@ -10475,7 +10475,7 @@
           </a:ln>
           <a:extLst>
             <a:ext uri="{C572A759-6A51-4108-AA02-DFA0A04FC94B}">
-              <ma14:wrappingTextBoxFlag xmlns:ma14="http://schemas.microsoft.com/office/mac/drawingml/2011/main" xmlns="" val="1"/>
+              <ma14:wrappingTextBoxFlag xmlns="" xmlns:ma14="http://schemas.microsoft.com/office/mac/drawingml/2011/main" val="1"/>
             </a:ext>
           </a:extLst>
         </p:spPr>
@@ -10519,7 +10519,7 @@
           </a:ln>
           <a:extLst>
             <a:ext uri="{C572A759-6A51-4108-AA02-DFA0A04FC94B}">
-              <ma14:wrappingTextBoxFlag xmlns:ma14="http://schemas.microsoft.com/office/mac/drawingml/2011/main" xmlns="" val="1"/>
+              <ma14:wrappingTextBoxFlag xmlns="" xmlns:ma14="http://schemas.microsoft.com/office/mac/drawingml/2011/main" val="1"/>
             </a:ext>
           </a:extLst>
         </p:spPr>
@@ -11840,10 +11840,11 @@
               </a:defRPr>
             </a:pPr>
             <a:r>
+              <a:rPr dirty="0"/>
               <a:t>Two</a:t>
             </a:r>
             <a:r>
-              <a:rPr>
+              <a:rPr dirty="0">
                 <a:solidFill>
                   <a:srgbClr val="000000"/>
                 </a:solidFill>
@@ -11851,10 +11852,11 @@
               <a:t> ways to </a:t>
             </a:r>
             <a:r>
+              <a:rPr dirty="0"/>
               <a:t>use</a:t>
             </a:r>
             <a:r>
-              <a:rPr>
+              <a:rPr dirty="0">
                 <a:solidFill>
                   <a:srgbClr val="000000"/>
                 </a:solidFill>
@@ -11880,17 +11882,18 @@
               </a:defRPr>
             </a:pPr>
             <a:r>
+              <a:rPr dirty="0"/>
               <a:t>Self-standing</a:t>
             </a:r>
             <a:r>
-              <a:rPr>
+              <a:rPr dirty="0">
                 <a:solidFill>
                   <a:srgbClr val="000000"/>
                 </a:solidFill>
               </a:rPr>
               <a:t> server + connections</a:t>
             </a:r>
-            <a:endParaRPr sz="2800"/>
+            <a:endParaRPr sz="2800" dirty="0"/>
           </a:p>
           <a:p>
             <a:pPr marL="914400" lvl="1" indent="-381000">
@@ -11910,10 +11913,11 @@
               </a:defRPr>
             </a:pPr>
             <a:r>
+              <a:rPr dirty="0" err="1"/>
               <a:t>Embeded</a:t>
             </a:r>
             <a:r>
-              <a:rPr>
+              <a:rPr dirty="0">
                 <a:solidFill>
                   <a:srgbClr val="000000"/>
                 </a:solidFill>
@@ -11921,13 +11925,13 @@
               <a:t>: Used directly within a Java application</a:t>
             </a:r>
             <a:br>
-              <a:rPr>
+              <a:rPr dirty="0">
                 <a:solidFill>
                   <a:srgbClr val="000000"/>
                 </a:solidFill>
               </a:rPr>
             </a:br>
-            <a:endParaRPr>
+            <a:endParaRPr dirty="0">
               <a:solidFill>
                 <a:srgbClr val="000000"/>
               </a:solidFill>
@@ -11943,6 +11947,7 @@
               <a:defRPr sz="1800"/>
             </a:pPr>
             <a:r>
+              <a:rPr dirty="0"/>
               <a:t>Server mode:</a:t>
             </a:r>
           </a:p>
@@ -11964,10 +11969,11 @@
               </a:defRPr>
             </a:pPr>
             <a:r>
+              <a:rPr dirty="0"/>
               <a:t>download</a:t>
             </a:r>
             <a:r>
-              <a:rPr>
+              <a:rPr dirty="0">
                 <a:solidFill>
                   <a:srgbClr val="000000"/>
                 </a:solidFill>
@@ -11975,7 +11981,7 @@
               <a:t> from </a:t>
             </a:r>
             <a:r>
-              <a:rPr u="sng">
+              <a:rPr lang="en-US" u="sng" dirty="0">
                 <a:solidFill>
                   <a:srgbClr val="0000FF"/>
                 </a:solidFill>
@@ -11986,9 +11992,18 @@
                 </a:uFill>
                 <a:hlinkClick r:id="rId2"/>
               </a:rPr>
-              <a:t>http://neo4j.com/download/</a:t>
-            </a:r>
-            <a:endParaRPr sz="2800"/>
+              <a:t>https://neo4j.com/download-center/</a:t>
+            </a:r>
+            <a:endParaRPr lang="en-US" u="sng" dirty="0">
+              <a:solidFill>
+                <a:srgbClr val="0000FF"/>
+              </a:solidFill>
+              <a:uFill>
+                <a:solidFill>
+                  <a:srgbClr val="0000FF"/>
+                </a:solidFill>
+              </a:uFill>
+            </a:endParaRPr>
           </a:p>
           <a:p>
             <a:pPr marL="914400" lvl="1" indent="-381000">
@@ -12001,13 +12016,18 @@
               <a:buSzPct val="80000"/>
               <a:buFont typeface="Courier New"/>
               <a:buChar char="o"/>
-              <a:defRPr sz="1800"/>
-            </a:pPr>
-            <a:r>
+              <a:defRPr sz="1800">
+                <a:solidFill>
+                  <a:srgbClr val="990000"/>
+                </a:solidFill>
+              </a:defRPr>
+            </a:pPr>
+            <a:r>
+              <a:rPr dirty="0"/>
               <a:t>extract </a:t>
             </a:r>
             <a:r>
-              <a:rPr>
+              <a:rPr dirty="0">
                 <a:latin typeface="Courier New"/>
                 <a:ea typeface="Courier New"/>
                 <a:cs typeface="Courier New"/>
@@ -12015,7 +12035,7 @@
               </a:rPr>
               <a:t>neo4j-community-X.Y.Z.tar.gz</a:t>
             </a:r>
-            <a:endParaRPr sz="2800"/>
+            <a:endParaRPr sz="2800" dirty="0"/>
           </a:p>
           <a:p>
             <a:pPr marL="914400" lvl="1" indent="-381000">
@@ -12036,9 +12056,18 @@
               </a:defRPr>
             </a:pPr>
             <a:r>
-              <a:t>./bin/neo4j start</a:t>
-            </a:r>
-            <a:endParaRPr sz="2800"/>
+              <a:rPr lang="en-US" sz="1800" dirty="0"/>
+              <a:t>s</a:t>
+            </a:r>
+            <a:r>
+              <a:rPr sz="1800" dirty="0"/>
+              <a:t>tart</a:t>
+            </a:r>
+            <a:r>
+              <a:rPr lang="en-US" sz="1800" dirty="0"/>
+              <a:t> neo4j and create a new graph database</a:t>
+            </a:r>
+            <a:endParaRPr sz="1800" dirty="0"/>
           </a:p>
           <a:p>
             <a:pPr marL="914400" lvl="1" indent="-381000">
@@ -12054,10 +12083,11 @@
               <a:defRPr sz="1800"/>
             </a:pPr>
             <a:r>
+              <a:rPr dirty="0"/>
               <a:t>go to: </a:t>
             </a:r>
             <a:r>
-              <a:rPr u="sng">
+              <a:rPr u="sng" dirty="0">
                 <a:solidFill>
                   <a:srgbClr val="0000FF"/>
                 </a:solidFill>
@@ -12553,7 +12583,7 @@
           </a:ln>
           <a:extLst>
             <a:ext uri="{C572A759-6A51-4108-AA02-DFA0A04FC94B}">
-              <ma14:wrappingTextBoxFlag xmlns:ma14="http://schemas.microsoft.com/office/mac/drawingml/2011/main" xmlns="" val="1"/>
+              <ma14:wrappingTextBoxFlag xmlns="" xmlns:ma14="http://schemas.microsoft.com/office/mac/drawingml/2011/main" val="1"/>
             </a:ext>
           </a:extLst>
         </p:spPr>
@@ -13157,7 +13187,7 @@
           </a:ln>
           <a:extLst>
             <a:ext uri="{C572A759-6A51-4108-AA02-DFA0A04FC94B}">
-              <ma14:wrappingTextBoxFlag xmlns:ma14="http://schemas.microsoft.com/office/mac/drawingml/2011/main" xmlns="" val="1"/>
+              <ma14:wrappingTextBoxFlag xmlns="" xmlns:ma14="http://schemas.microsoft.com/office/mac/drawingml/2011/main" val="1"/>
             </a:ext>
           </a:extLst>
         </p:spPr>
@@ -13543,7 +13573,7 @@
           </a:ln>
           <a:extLst>
             <a:ext uri="{C572A759-6A51-4108-AA02-DFA0A04FC94B}">
-              <ma14:wrappingTextBoxFlag xmlns:ma14="http://schemas.microsoft.com/office/mac/drawingml/2011/main" xmlns="" val="1"/>
+              <ma14:wrappingTextBoxFlag xmlns="" xmlns:ma14="http://schemas.microsoft.com/office/mac/drawingml/2011/main" val="1"/>
             </a:ext>
           </a:extLst>
         </p:spPr>
@@ -13966,7 +13996,7 @@
           </a:ln>
           <a:extLst>
             <a:ext uri="{C572A759-6A51-4108-AA02-DFA0A04FC94B}">
-              <ma14:wrappingTextBoxFlag xmlns:ma14="http://schemas.microsoft.com/office/mac/drawingml/2011/main" xmlns="" val="1"/>
+              <ma14:wrappingTextBoxFlag xmlns="" xmlns:ma14="http://schemas.microsoft.com/office/mac/drawingml/2011/main" val="1"/>
             </a:ext>
           </a:extLst>
         </p:spPr>
@@ -14619,7 +14649,7 @@
             <a:effectLst/>
             <a:extLst>
               <a:ext uri="{C572A759-6A51-4108-AA02-DFA0A04FC94B}">
-                <ma14:wrappingTextBoxFlag xmlns:ma14="http://schemas.microsoft.com/office/mac/drawingml/2011/main" xmlns="" val="1"/>
+                <ma14:wrappingTextBoxFlag xmlns="" xmlns:ma14="http://schemas.microsoft.com/office/mac/drawingml/2011/main" val="1"/>
               </a:ext>
             </a:extLst>
           </p:spPr>
@@ -14718,7 +14748,7 @@
             <a:effectLst/>
             <a:extLst>
               <a:ext uri="{C572A759-6A51-4108-AA02-DFA0A04FC94B}">
-                <ma14:wrappingTextBoxFlag xmlns:ma14="http://schemas.microsoft.com/office/mac/drawingml/2011/main" xmlns="" val="1"/>
+                <ma14:wrappingTextBoxFlag xmlns="" xmlns:ma14="http://schemas.microsoft.com/office/mac/drawingml/2011/main" val="1"/>
               </a:ext>
             </a:extLst>
           </p:spPr>
@@ -14818,7 +14848,7 @@
             <a:effectLst/>
             <a:extLst>
               <a:ext uri="{C572A759-6A51-4108-AA02-DFA0A04FC94B}">
-                <ma14:wrappingTextBoxFlag xmlns:ma14="http://schemas.microsoft.com/office/mac/drawingml/2011/main" xmlns="" val="1"/>
+                <ma14:wrappingTextBoxFlag xmlns="" xmlns:ma14="http://schemas.microsoft.com/office/mac/drawingml/2011/main" val="1"/>
               </a:ext>
             </a:extLst>
           </p:spPr>
@@ -14986,7 +15016,7 @@
           </a:ln>
           <a:extLst>
             <a:ext uri="{C572A759-6A51-4108-AA02-DFA0A04FC94B}">
-              <ma14:wrappingTextBoxFlag xmlns:ma14="http://schemas.microsoft.com/office/mac/drawingml/2011/main" xmlns="" val="1"/>
+              <ma14:wrappingTextBoxFlag xmlns="" xmlns:ma14="http://schemas.microsoft.com/office/mac/drawingml/2011/main" val="1"/>
             </a:ext>
           </a:extLst>
         </p:spPr>
@@ -15030,7 +15060,7 @@
           </a:ln>
           <a:extLst>
             <a:ext uri="{C572A759-6A51-4108-AA02-DFA0A04FC94B}">
-              <ma14:wrappingTextBoxFlag xmlns:ma14="http://schemas.microsoft.com/office/mac/drawingml/2011/main" xmlns="" val="1"/>
+              <ma14:wrappingTextBoxFlag xmlns="" xmlns:ma14="http://schemas.microsoft.com/office/mac/drawingml/2011/main" val="1"/>
             </a:ext>
           </a:extLst>
         </p:spPr>
@@ -15134,7 +15164,7 @@
             <a:effectLst/>
             <a:extLst>
               <a:ext uri="{C572A759-6A51-4108-AA02-DFA0A04FC94B}">
-                <ma14:wrappingTextBoxFlag xmlns:ma14="http://schemas.microsoft.com/office/mac/drawingml/2011/main" xmlns="" val="1"/>
+                <ma14:wrappingTextBoxFlag xmlns="" xmlns:ma14="http://schemas.microsoft.com/office/mac/drawingml/2011/main" val="1"/>
               </a:ext>
             </a:extLst>
           </p:spPr>
@@ -15316,7 +15346,7 @@
             <a:effectLst/>
             <a:extLst>
               <a:ext uri="{C572A759-6A51-4108-AA02-DFA0A04FC94B}">
-                <ma14:wrappingTextBoxFlag xmlns:ma14="http://schemas.microsoft.com/office/mac/drawingml/2011/main" xmlns="" val="1"/>
+                <ma14:wrappingTextBoxFlag xmlns="" xmlns:ma14="http://schemas.microsoft.com/office/mac/drawingml/2011/main" val="1"/>
               </a:ext>
             </a:extLst>
           </p:spPr>
@@ -15504,7 +15534,7 @@
             <a:effectLst/>
             <a:extLst>
               <a:ext uri="{C572A759-6A51-4108-AA02-DFA0A04FC94B}">
-                <ma14:wrappingTextBoxFlag xmlns:ma14="http://schemas.microsoft.com/office/mac/drawingml/2011/main" xmlns="" val="1"/>
+                <ma14:wrappingTextBoxFlag xmlns="" xmlns:ma14="http://schemas.microsoft.com/office/mac/drawingml/2011/main" val="1"/>
               </a:ext>
             </a:extLst>
           </p:spPr>
@@ -15692,7 +15722,7 @@
             <a:effectLst/>
             <a:extLst>
               <a:ext uri="{C572A759-6A51-4108-AA02-DFA0A04FC94B}">
-                <ma14:wrappingTextBoxFlag xmlns:ma14="http://schemas.microsoft.com/office/mac/drawingml/2011/main" xmlns="" val="1"/>
+                <ma14:wrappingTextBoxFlag xmlns="" xmlns:ma14="http://schemas.microsoft.com/office/mac/drawingml/2011/main" val="1"/>
               </a:ext>
             </a:extLst>
           </p:spPr>
@@ -15880,7 +15910,7 @@
             <a:effectLst/>
             <a:extLst>
               <a:ext uri="{C572A759-6A51-4108-AA02-DFA0A04FC94B}">
-                <ma14:wrappingTextBoxFlag xmlns:ma14="http://schemas.microsoft.com/office/mac/drawingml/2011/main" xmlns="" val="1"/>
+                <ma14:wrappingTextBoxFlag xmlns="" xmlns:ma14="http://schemas.microsoft.com/office/mac/drawingml/2011/main" val="1"/>
               </a:ext>
             </a:extLst>
           </p:spPr>
@@ -16068,7 +16098,7 @@
             <a:effectLst/>
             <a:extLst>
               <a:ext uri="{C572A759-6A51-4108-AA02-DFA0A04FC94B}">
-                <ma14:wrappingTextBoxFlag xmlns:ma14="http://schemas.microsoft.com/office/mac/drawingml/2011/main" xmlns="" val="1"/>
+                <ma14:wrappingTextBoxFlag xmlns="" xmlns:ma14="http://schemas.microsoft.com/office/mac/drawingml/2011/main" val="1"/>
               </a:ext>
             </a:extLst>
           </p:spPr>
@@ -16874,7 +16904,7 @@
           </a:ln>
           <a:extLst>
             <a:ext uri="{C572A759-6A51-4108-AA02-DFA0A04FC94B}">
-              <ma14:wrappingTextBoxFlag xmlns:ma14="http://schemas.microsoft.com/office/mac/drawingml/2011/main" xmlns="" val="1"/>
+              <ma14:wrappingTextBoxFlag xmlns="" xmlns:ma14="http://schemas.microsoft.com/office/mac/drawingml/2011/main" val="1"/>
             </a:ext>
           </a:extLst>
         </p:spPr>
@@ -16917,7 +16947,7 @@
           </a:ln>
           <a:extLst>
             <a:ext uri="{C572A759-6A51-4108-AA02-DFA0A04FC94B}">
-              <ma14:wrappingTextBoxFlag xmlns:ma14="http://schemas.microsoft.com/office/mac/drawingml/2011/main" xmlns="" val="1"/>
+              <ma14:wrappingTextBoxFlag xmlns="" xmlns:ma14="http://schemas.microsoft.com/office/mac/drawingml/2011/main" val="1"/>
             </a:ext>
           </a:extLst>
         </p:spPr>
@@ -17435,7 +17465,7 @@
           </a:ln>
           <a:extLst>
             <a:ext uri="{C572A759-6A51-4108-AA02-DFA0A04FC94B}">
-              <ma14:wrappingTextBoxFlag xmlns:ma14="http://schemas.microsoft.com/office/mac/drawingml/2011/main" xmlns="" val="1"/>
+              <ma14:wrappingTextBoxFlag xmlns="" xmlns:ma14="http://schemas.microsoft.com/office/mac/drawingml/2011/main" val="1"/>
             </a:ext>
           </a:extLst>
         </p:spPr>
@@ -17992,7 +18022,7 @@
           </a:ln>
           <a:extLst>
             <a:ext uri="{C572A759-6A51-4108-AA02-DFA0A04FC94B}">
-              <ma14:wrappingTextBoxFlag xmlns:ma14="http://schemas.microsoft.com/office/mac/drawingml/2011/main" xmlns="" val="1"/>
+              <ma14:wrappingTextBoxFlag xmlns="" xmlns:ma14="http://schemas.microsoft.com/office/mac/drawingml/2011/main" val="1"/>
             </a:ext>
           </a:extLst>
         </p:spPr>

--- a/2018-2019/build/Lecture 5.pptx
+++ b/2018-2019/build/Lecture 5.pptx
@@ -12150,19 +12150,9 @@
             <p:ph type="title"/>
           </p:nvPr>
         </p:nvSpPr>
-        <p:spPr>
-          <a:xfrm>
-            <a:off x="457200" y="228861"/>
-            <a:ext cx="8229600" cy="733800"/>
-          </a:xfrm>
-          <a:prstGeom prst="rect">
-            <a:avLst/>
-          </a:prstGeom>
-        </p:spPr>
+        <p:spPr/>
         <p:txBody>
-          <a:bodyPr>
-            <a:normAutofit/>
-          </a:bodyPr>
+          <a:bodyPr/>
           <a:lstStyle>
             <a:lvl1pPr>
               <a:defRPr sz="1800"/>
@@ -12170,8 +12160,8 @@
           </a:lstStyle>
           <a:p>
             <a:r>
-              <a:rPr sz="2400" dirty="0"/>
-              <a:t>Cypher: Clauses</a:t>
+              <a:rPr lang="en-US" dirty="0"/>
+              <a:t>Cypher:  Common Clauses</a:t>
             </a:r>
           </a:p>
         </p:txBody>
@@ -12186,227 +12176,90 @@
             <p:ph type="body" idx="1"/>
           </p:nvPr>
         </p:nvSpPr>
-        <p:spPr>
-          <a:xfrm>
-            <a:off x="457199" y="1038399"/>
-            <a:ext cx="8571601" cy="4434601"/>
-          </a:xfrm>
-          <a:prstGeom prst="rect">
-            <a:avLst/>
-          </a:prstGeom>
-        </p:spPr>
+        <p:spPr/>
         <p:txBody>
-          <a:bodyPr/>
+          <a:bodyPr>
+            <a:normAutofit/>
+          </a:bodyPr>
           <a:lstStyle/>
           <a:p>
-            <a:pPr marL="457200" indent="-419100">
-              <a:spcBef>
-                <a:spcPts val="0"/>
-              </a:spcBef>
-              <a:buFont typeface="Arial"/>
-              <a:buChar char="●"/>
-              <a:defRPr sz="1800" b="1"/>
-            </a:pPr>
-            <a:r>
+            <a:r>
+              <a:rPr lang="en-US" sz="2000" b="1" dirty="0"/>
               <a:t>MATCH</a:t>
             </a:r>
             <a:r>
-              <a:rPr b="0"/>
-              <a:t>: The graph </a:t>
-            </a:r>
-            <a:r>
-              <a:rPr b="0">
-                <a:solidFill>
-                  <a:srgbClr val="990000"/>
-                </a:solidFill>
-              </a:rPr>
-              <a:t>pattern</a:t>
-            </a:r>
-            <a:r>
-              <a:rPr b="0"/>
-              <a:t> to match</a:t>
-            </a:r>
-          </a:p>
-          <a:p>
-            <a:pPr marL="457200" indent="-419100">
-              <a:spcBef>
-                <a:spcPts val="0"/>
-              </a:spcBef>
-              <a:buFont typeface="Arial"/>
-              <a:buChar char="●"/>
-              <a:defRPr sz="1800" b="1"/>
-            </a:pPr>
-            <a:r>
+              <a:rPr lang="en-US" sz="2000" dirty="0"/>
+              <a:t>: The graph pattern to match</a:t>
+            </a:r>
+          </a:p>
+          <a:p>
+            <a:r>
+              <a:rPr lang="en-US" sz="2000" b="1" dirty="0"/>
               <a:t>WHERE</a:t>
             </a:r>
             <a:r>
-              <a:rPr b="0"/>
-              <a:t>: </a:t>
-            </a:r>
-            <a:r>
-              <a:rPr b="0">
-                <a:solidFill>
-                  <a:srgbClr val="990000"/>
-                </a:solidFill>
-              </a:rPr>
-              <a:t>Filtering</a:t>
-            </a:r>
-            <a:r>
-              <a:rPr b="0"/>
-              <a:t> criteria</a:t>
-            </a:r>
-          </a:p>
-          <a:p>
-            <a:pPr marL="457200" indent="-419100">
-              <a:spcBef>
-                <a:spcPts val="0"/>
-              </a:spcBef>
-              <a:buFont typeface="Arial"/>
-              <a:buChar char="●"/>
-              <a:defRPr sz="1800" b="1"/>
-            </a:pPr>
-            <a:r>
+              <a:rPr lang="en-US" sz="2000" dirty="0"/>
+              <a:t>: Filtering criteria</a:t>
+            </a:r>
+          </a:p>
+          <a:p>
+            <a:r>
+              <a:rPr lang="en-US" sz="2000" b="1" dirty="0"/>
               <a:t>RETURN</a:t>
             </a:r>
             <a:r>
-              <a:rPr b="0"/>
+              <a:rPr lang="en-US" sz="2000" dirty="0"/>
               <a:t>: What to return </a:t>
             </a:r>
           </a:p>
           <a:p>
-            <a:pPr marL="457200" indent="-419100">
-              <a:spcBef>
-                <a:spcPts val="0"/>
-              </a:spcBef>
-              <a:buFont typeface="Arial"/>
-              <a:buChar char="●"/>
-              <a:defRPr sz="1800" b="1"/>
-            </a:pPr>
-            <a:r>
+            <a:r>
+              <a:rPr lang="en-US" sz="2000" b="1" dirty="0"/>
               <a:t>CREATE</a:t>
             </a:r>
             <a:r>
-              <a:rPr b="0"/>
+              <a:rPr lang="en-US" sz="2000" dirty="0"/>
               <a:t>: Creates nodes and relationships. </a:t>
             </a:r>
           </a:p>
           <a:p>
-            <a:pPr marL="457200" indent="-419100">
-              <a:spcBef>
-                <a:spcPts val="0"/>
-              </a:spcBef>
-              <a:buFont typeface="Arial"/>
-              <a:buChar char="●"/>
-              <a:defRPr sz="1800" b="1"/>
-            </a:pPr>
-            <a:r>
+            <a:r>
+              <a:rPr lang="en-US" sz="2000" b="1" dirty="0"/>
               <a:t>DELETE</a:t>
             </a:r>
             <a:r>
-              <a:rPr b="0"/>
-              <a:t>: Remove nodes, relationships, properties</a:t>
-            </a:r>
-          </a:p>
-          <a:p>
-            <a:pPr marL="457200" indent="-419100">
-              <a:spcBef>
-                <a:spcPts val="0"/>
-              </a:spcBef>
-              <a:buFont typeface="Arial"/>
-              <a:buChar char="●"/>
-              <a:defRPr sz="1800" b="1"/>
-            </a:pPr>
-            <a:r>
+              <a:rPr lang="en-US" sz="2000" dirty="0"/>
+              <a:t>: Remove nodes, relationships </a:t>
+            </a:r>
+          </a:p>
+          <a:p>
+            <a:r>
+              <a:rPr lang="en-US" sz="2000" b="1" dirty="0"/>
+              <a:t>REMOVE</a:t>
+            </a:r>
+            <a:r>
+              <a:rPr lang="en-US" sz="2000" dirty="0"/>
+              <a:t>: Removes properties from nodes and relationships</a:t>
+            </a:r>
+          </a:p>
+          <a:p>
+            <a:r>
+              <a:rPr lang="en-US" sz="2000" b="1" dirty="0"/>
               <a:t>SET</a:t>
             </a:r>
             <a:r>
-              <a:rPr b="0"/>
-              <a:t>: Set values to </a:t>
-            </a:r>
-            <a:r>
-              <a:rPr b="0">
-                <a:solidFill>
-                  <a:srgbClr val="990000"/>
-                </a:solidFill>
-              </a:rPr>
-              <a:t>properties</a:t>
-            </a:r>
-          </a:p>
-          <a:p>
-            <a:pPr marL="457200" indent="-419100">
-              <a:lnSpc>
-                <a:spcPct val="115000"/>
-              </a:lnSpc>
-              <a:spcBef>
-                <a:spcPts val="0"/>
-              </a:spcBef>
-              <a:buFont typeface="Arial"/>
-              <a:buChar char="●"/>
-              <a:defRPr sz="1800" b="1"/>
-            </a:pPr>
-            <a:r>
+              <a:rPr lang="en-US" sz="2000" dirty="0"/>
+              <a:t>: Set values to properties</a:t>
+            </a:r>
+          </a:p>
+          <a:p>
+            <a:r>
+              <a:rPr lang="en-US" sz="2000" b="1" dirty="0"/>
               <a:t>WITH</a:t>
             </a:r>
             <a:r>
-              <a:rPr b="0"/>
+              <a:rPr lang="en-US" sz="2000" dirty="0"/>
               <a:t>: Divides a query into multiple parts</a:t>
-            </a:r>
-          </a:p>
-          <a:p>
-            <a:pPr marL="457200" indent="-419100">
-              <a:spcBef>
-                <a:spcPts val="0"/>
-              </a:spcBef>
-              <a:buFont typeface="Arial"/>
-              <a:buChar char="●"/>
-              <a:defRPr sz="1800" b="1"/>
-            </a:pPr>
-            <a:r>
-              <a:t>START</a:t>
-            </a:r>
-            <a:r>
-              <a:rPr b="0"/>
-              <a:t>: Starting </a:t>
-            </a:r>
-            <a:r>
-              <a:rPr b="0">
-                <a:solidFill>
-                  <a:srgbClr val="990000"/>
-                </a:solidFill>
-              </a:rPr>
-              <a:t>points</a:t>
-            </a:r>
-            <a:r>
-              <a:rPr b="0"/>
-              <a:t> in the graph</a:t>
-            </a:r>
-          </a:p>
-          <a:p>
-            <a:pPr marL="914400" lvl="1" indent="-381000">
-              <a:spcBef>
-                <a:spcPts val="0"/>
-              </a:spcBef>
-              <a:buClr>
-                <a:srgbClr val="000000"/>
-              </a:buClr>
-              <a:buSzPct val="80000"/>
-              <a:buFont typeface="Courier New"/>
-              <a:buChar char="o"/>
-              <a:defRPr sz="1800"/>
-            </a:pPr>
-            <a:r>
-              <a:t>by explicit index lookups or by node IDs (both </a:t>
-            </a:r>
-            <a:r>
-              <a:rPr>
-                <a:solidFill>
-                  <a:srgbClr val="990000"/>
-                </a:solidFill>
-              </a:rPr>
-              <a:t>deprecated</a:t>
-            </a:r>
-            <a:r>
-              <a:t>)</a:t>
             </a:r>
           </a:p>
         </p:txBody>

--- a/2018-2019/build/Lecture 5.pptx
+++ b/2018-2019/build/Lecture 5.pptx
@@ -5,7 +5,7 @@
     <p:sldMasterId id="2147483648" r:id="rId1"/>
   </p:sldMasterIdLst>
   <p:notesMasterIdLst>
-    <p:notesMasterId r:id="rId41"/>
+    <p:notesMasterId r:id="rId45"/>
   </p:notesMasterIdLst>
   <p:sldIdLst>
     <p:sldId id="256" r:id="rId2"/>
@@ -40,13 +40,17 @@
     <p:sldId id="282" r:id="rId31"/>
     <p:sldId id="283" r:id="rId32"/>
     <p:sldId id="284" r:id="rId33"/>
-    <p:sldId id="285" r:id="rId34"/>
-    <p:sldId id="286" r:id="rId35"/>
-    <p:sldId id="287" r:id="rId36"/>
-    <p:sldId id="288" r:id="rId37"/>
-    <p:sldId id="290" r:id="rId38"/>
-    <p:sldId id="291" r:id="rId39"/>
-    <p:sldId id="289" r:id="rId40"/>
+    <p:sldId id="296" r:id="rId34"/>
+    <p:sldId id="298" r:id="rId35"/>
+    <p:sldId id="297" r:id="rId36"/>
+    <p:sldId id="285" r:id="rId37"/>
+    <p:sldId id="286" r:id="rId38"/>
+    <p:sldId id="287" r:id="rId39"/>
+    <p:sldId id="299" r:id="rId40"/>
+    <p:sldId id="288" r:id="rId41"/>
+    <p:sldId id="290" r:id="rId42"/>
+    <p:sldId id="291" r:id="rId43"/>
+    <p:sldId id="289" r:id="rId44"/>
   </p:sldIdLst>
   <p:sldSz cx="9144000" cy="5715000" type="screen16x10"/>
   <p:notesSz cx="6858000" cy="9144000"/>
@@ -12637,6 +12641,738 @@
       </p:grpSpPr>
       <p:sp>
         <p:nvSpPr>
+          <p:cNvPr id="234" name="Shape 234"/>
+          <p:cNvSpPr>
+            <a:spLocks noGrp="1"/>
+          </p:cNvSpPr>
+          <p:nvPr>
+            <p:ph type="title"/>
+          </p:nvPr>
+        </p:nvSpPr>
+        <p:spPr>
+          <a:xfrm>
+            <a:off x="457200" y="228861"/>
+            <a:ext cx="8229600" cy="733800"/>
+          </a:xfrm>
+          <a:prstGeom prst="rect">
+            <a:avLst/>
+          </a:prstGeom>
+        </p:spPr>
+        <p:txBody>
+          <a:bodyPr>
+            <a:normAutofit/>
+          </a:bodyPr>
+          <a:lstStyle>
+            <a:lvl1pPr>
+              <a:defRPr sz="1800"/>
+            </a:lvl1pPr>
+          </a:lstStyle>
+          <a:p>
+            <a:r>
+              <a:rPr sz="2400" dirty="0"/>
+              <a:t>Cypher: Creating Nodes</a:t>
+            </a:r>
+          </a:p>
+        </p:txBody>
+      </p:sp>
+      <p:sp>
+        <p:nvSpPr>
+          <p:cNvPr id="235" name="Shape 235"/>
+          <p:cNvSpPr>
+            <a:spLocks noGrp="1"/>
+          </p:cNvSpPr>
+          <p:nvPr>
+            <p:ph type="body" sz="quarter" idx="1"/>
+          </p:nvPr>
+        </p:nvSpPr>
+        <p:spPr>
+          <a:xfrm>
+            <a:off x="457200" y="1012700"/>
+            <a:ext cx="8020878" cy="3489726"/>
+          </a:xfrm>
+          <a:prstGeom prst="rect">
+            <a:avLst/>
+          </a:prstGeom>
+          <a:ln w="9525">
+            <a:solidFill>
+              <a:srgbClr val="000000"/>
+            </a:solidFill>
+            <a:round/>
+          </a:ln>
+        </p:spPr>
+        <p:txBody>
+          <a:bodyPr>
+            <a:normAutofit/>
+          </a:bodyPr>
+          <a:lstStyle/>
+          <a:p>
+            <a:pPr marL="0" indent="0">
+              <a:buNone/>
+            </a:pPr>
+            <a:r>
+              <a:rPr lang="en-US" sz="1800" b="1" dirty="0"/>
+              <a:t>CREATE</a:t>
+            </a:r>
+            <a:r>
+              <a:rPr lang="en-US" sz="1800" dirty="0"/>
+              <a:t> </a:t>
+            </a:r>
+          </a:p>
+          <a:p>
+            <a:pPr marL="0" indent="0">
+              <a:buNone/>
+            </a:pPr>
+            <a:r>
+              <a:rPr lang="en-US" sz="1800" dirty="0"/>
+              <a:t>(</a:t>
+            </a:r>
+            <a:r>
+              <a:rPr lang="en-US" sz="1800" dirty="0" err="1"/>
+              <a:t>a:Airport</a:t>
+            </a:r>
+            <a:r>
+              <a:rPr lang="en-US" sz="1800" dirty="0"/>
+              <a:t>{name:"Schiphol",city:"Amsterdam",capacity:20000, </a:t>
+            </a:r>
+            <a:r>
+              <a:rPr lang="en-US" sz="1800" dirty="0" err="1"/>
+              <a:t>size:"Medium</a:t>
+            </a:r>
+            <a:r>
+              <a:rPr lang="en-US" sz="1800" dirty="0"/>
+              <a:t>"})</a:t>
+            </a:r>
+          </a:p>
+          <a:p>
+            <a:pPr marL="0" indent="0">
+              <a:buNone/>
+            </a:pPr>
+            <a:r>
+              <a:rPr lang="en-US" sz="1800" dirty="0"/>
+              <a:t>                &lt;-[i1:Includes]-(t1:Terminal{</a:t>
+            </a:r>
+            <a:r>
+              <a:rPr lang="en-US" sz="1800" dirty="0" err="1"/>
+              <a:t>code:"A</a:t>
+            </a:r>
+            <a:r>
+              <a:rPr lang="en-US" sz="1800" dirty="0"/>
+              <a:t>", </a:t>
+            </a:r>
+            <a:r>
+              <a:rPr lang="en-US" sz="1800" dirty="0" err="1"/>
+              <a:t>open:true</a:t>
+            </a:r>
+            <a:r>
+              <a:rPr lang="en-US" sz="1800" dirty="0"/>
+              <a:t>}), </a:t>
+            </a:r>
+          </a:p>
+          <a:p>
+            <a:pPr marL="0" indent="0">
+              <a:buNone/>
+            </a:pPr>
+            <a:r>
+              <a:rPr lang="en-US" sz="1800" dirty="0"/>
+              <a:t>            (a)&lt;-[i2:Includes]-(t2:Terminal{</a:t>
+            </a:r>
+            <a:r>
+              <a:rPr lang="en-US" sz="1800" dirty="0" err="1"/>
+              <a:t>code:"B</a:t>
+            </a:r>
+            <a:r>
+              <a:rPr lang="en-US" sz="1800" dirty="0"/>
+              <a:t>", </a:t>
+            </a:r>
+            <a:r>
+              <a:rPr lang="en-US" sz="1800" dirty="0" err="1"/>
+              <a:t>open:false</a:t>
+            </a:r>
+            <a:r>
+              <a:rPr lang="en-US" sz="1800" dirty="0"/>
+              <a:t>}), </a:t>
+            </a:r>
+          </a:p>
+          <a:p>
+            <a:pPr marL="0" indent="0">
+              <a:buNone/>
+            </a:pPr>
+            <a:r>
+              <a:rPr lang="en-US" sz="1800" dirty="0"/>
+              <a:t>            (a)&lt;-[i3:Includes]-(t3:Terminal{</a:t>
+            </a:r>
+            <a:r>
+              <a:rPr lang="en-US" sz="1800" dirty="0" err="1"/>
+              <a:t>code:"C</a:t>
+            </a:r>
+            <a:r>
+              <a:rPr lang="en-US" sz="1800" dirty="0"/>
+              <a:t>", </a:t>
+            </a:r>
+            <a:r>
+              <a:rPr lang="en-US" sz="1800" dirty="0" err="1"/>
+              <a:t>open:true</a:t>
+            </a:r>
+            <a:r>
+              <a:rPr lang="en-US" sz="1800" dirty="0"/>
+              <a:t>}), </a:t>
+            </a:r>
+          </a:p>
+          <a:p>
+            <a:pPr marL="0" indent="0">
+              <a:buNone/>
+            </a:pPr>
+            <a:r>
+              <a:rPr lang="en-US" sz="1800" b="1" dirty="0"/>
+              <a:t>RETURN</a:t>
+            </a:r>
+            <a:r>
+              <a:rPr lang="en-US" sz="1800" dirty="0"/>
+              <a:t> a</a:t>
+            </a:r>
+          </a:p>
+          <a:p>
+            <a:pPr marL="0" indent="0">
+              <a:buNone/>
+            </a:pPr>
+            <a:r>
+              <a:rPr lang="en-US" sz="1600" i="1" dirty="0"/>
+              <a:t>(create a node labeled as ‘Airport’ with some properties that includes multiple terminals’)</a:t>
+            </a:r>
+          </a:p>
+          <a:p>
+            <a:pPr marL="0" indent="0">
+              <a:buNone/>
+            </a:pPr>
+            <a:endParaRPr lang="en-US" sz="1800" dirty="0"/>
+          </a:p>
+          <a:p>
+            <a:pPr>
+              <a:spcBef>
+                <a:spcPts val="0"/>
+              </a:spcBef>
+              <a:buSzTx/>
+              <a:buNone/>
+              <a:defRPr sz="1800" b="1"/>
+            </a:pPr>
+            <a:endParaRPr sz="1800" dirty="0"/>
+          </a:p>
+        </p:txBody>
+      </p:sp>
+    </p:spTree>
+    <p:extLst>
+      <p:ext uri="{BB962C8B-B14F-4D97-AF65-F5344CB8AC3E}">
+        <p14:creationId xmlns:p14="http://schemas.microsoft.com/office/powerpoint/2010/main" val="231633734"/>
+      </p:ext>
+    </p:extLst>
+  </p:cSld>
+  <p:clrMapOvr>
+    <a:masterClrMapping/>
+  </p:clrMapOvr>
+  <mc:AlternateContent xmlns:mc="http://schemas.openxmlformats.org/markup-compatibility/2006" xmlns:p14="http://schemas.microsoft.com/office/powerpoint/2010/main">
+    <mc:Choice Requires="p14">
+      <p:transition p14:dur="250">
+        <p:dissolve/>
+      </p:transition>
+    </mc:Choice>
+    <mc:Fallback xmlns="">
+      <p:transition spd="fast">
+        <p:fade/>
+      </p:transition>
+    </mc:Fallback>
+  </mc:AlternateContent>
+</p:sld>
+</file>
+
+<file path=ppt/slides/slide34.xml><?xml version="1.0" encoding="utf-8"?>
+<p:sld xmlns:a="http://schemas.openxmlformats.org/drawingml/2006/main" xmlns:r="http://schemas.openxmlformats.org/officeDocument/2006/relationships" xmlns:p="http://schemas.openxmlformats.org/presentationml/2006/main">
+  <p:cSld>
+    <p:spTree>
+      <p:nvGrpSpPr>
+        <p:cNvPr id="1" name=""/>
+        <p:cNvGrpSpPr/>
+        <p:nvPr/>
+      </p:nvGrpSpPr>
+      <p:grpSpPr>
+        <a:xfrm>
+          <a:off x="0" y="0"/>
+          <a:ext cx="0" cy="0"/>
+          <a:chOff x="0" y="0"/>
+          <a:chExt cx="0" cy="0"/>
+        </a:xfrm>
+      </p:grpSpPr>
+      <p:sp>
+        <p:nvSpPr>
+          <p:cNvPr id="234" name="Shape 234"/>
+          <p:cNvSpPr>
+            <a:spLocks noGrp="1"/>
+          </p:cNvSpPr>
+          <p:nvPr>
+            <p:ph type="title"/>
+          </p:nvPr>
+        </p:nvSpPr>
+        <p:spPr>
+          <a:xfrm>
+            <a:off x="457200" y="228861"/>
+            <a:ext cx="8229600" cy="733800"/>
+          </a:xfrm>
+          <a:prstGeom prst="rect">
+            <a:avLst/>
+          </a:prstGeom>
+        </p:spPr>
+        <p:txBody>
+          <a:bodyPr>
+            <a:normAutofit/>
+          </a:bodyPr>
+          <a:lstStyle>
+            <a:lvl1pPr>
+              <a:defRPr sz="1800"/>
+            </a:lvl1pPr>
+          </a:lstStyle>
+          <a:p>
+            <a:r>
+              <a:rPr sz="2400" dirty="0"/>
+              <a:t>Cypher: Creating Nodes</a:t>
+            </a:r>
+          </a:p>
+        </p:txBody>
+      </p:sp>
+      <p:sp>
+        <p:nvSpPr>
+          <p:cNvPr id="235" name="Shape 235"/>
+          <p:cNvSpPr>
+            <a:spLocks noGrp="1"/>
+          </p:cNvSpPr>
+          <p:nvPr>
+            <p:ph type="body" sz="quarter" idx="1"/>
+          </p:nvPr>
+        </p:nvSpPr>
+        <p:spPr>
+          <a:xfrm>
+            <a:off x="457199" y="1012700"/>
+            <a:ext cx="8080513" cy="3489726"/>
+          </a:xfrm>
+          <a:prstGeom prst="rect">
+            <a:avLst/>
+          </a:prstGeom>
+          <a:ln w="9525">
+            <a:solidFill>
+              <a:srgbClr val="000000"/>
+            </a:solidFill>
+            <a:round/>
+          </a:ln>
+        </p:spPr>
+        <p:txBody>
+          <a:bodyPr>
+            <a:normAutofit/>
+          </a:bodyPr>
+          <a:lstStyle/>
+          <a:p>
+            <a:pPr marL="0" indent="0">
+              <a:buNone/>
+            </a:pPr>
+            <a:r>
+              <a:rPr lang="en-US" sz="1800" b="1" i="1" dirty="0"/>
+              <a:t># assuming there is a node with the property name ‘Schiphol’ </a:t>
+            </a:r>
+          </a:p>
+          <a:p>
+            <a:pPr marL="0" indent="0">
+              <a:buNone/>
+            </a:pPr>
+            <a:r>
+              <a:rPr lang="en-US" sz="1800" b="1" dirty="0"/>
+              <a:t>MATCH</a:t>
+            </a:r>
+            <a:r>
+              <a:rPr lang="en-US" sz="1800" dirty="0"/>
+              <a:t> (</a:t>
+            </a:r>
+            <a:r>
+              <a:rPr lang="en-US" sz="1800" dirty="0" err="1"/>
+              <a:t>a:Airport</a:t>
+            </a:r>
+            <a:r>
+              <a:rPr lang="en-US" sz="1800" dirty="0"/>
+              <a:t>{</a:t>
+            </a:r>
+            <a:r>
+              <a:rPr lang="en-US" sz="1800" dirty="0" err="1"/>
+              <a:t>name:"Schiphol</a:t>
+            </a:r>
+            <a:r>
+              <a:rPr lang="en-US" sz="1800" dirty="0"/>
+              <a:t>"})</a:t>
+            </a:r>
+          </a:p>
+          <a:p>
+            <a:pPr marL="0" indent="0">
+              <a:buNone/>
+            </a:pPr>
+            <a:r>
+              <a:rPr lang="en-US" sz="1800" b="1" dirty="0"/>
+              <a:t>CREATE</a:t>
+            </a:r>
+            <a:r>
+              <a:rPr lang="en-US" sz="1800" dirty="0"/>
+              <a:t> </a:t>
+            </a:r>
+          </a:p>
+          <a:p>
+            <a:pPr marL="0" indent="0">
+              <a:buNone/>
+            </a:pPr>
+            <a:r>
+              <a:rPr lang="en-US" sz="1800" dirty="0"/>
+              <a:t>	(a)&lt;-[t1:Travel{</a:t>
+            </a:r>
+            <a:r>
+              <a:rPr lang="en-US" sz="1800" dirty="0" err="1"/>
+              <a:t>from:"Berlin</a:t>
+            </a:r>
+            <a:r>
+              <a:rPr lang="en-US" sz="1800" dirty="0"/>
+              <a:t>", </a:t>
+            </a:r>
+            <a:r>
+              <a:rPr lang="en-US" sz="1800" dirty="0" err="1"/>
+              <a:t>dep:time</a:t>
+            </a:r>
+            <a:r>
+              <a:rPr lang="en-US" sz="1800" dirty="0"/>
+              <a:t>("13:00")}]-(f1:Flight{code:"12f"}), </a:t>
+            </a:r>
+          </a:p>
+          <a:p>
+            <a:pPr marL="0" indent="0">
+              <a:buNone/>
+            </a:pPr>
+            <a:r>
+              <a:rPr lang="en-US" sz="1800" dirty="0"/>
+              <a:t>	(a)&lt;-[t2:Travel{</a:t>
+            </a:r>
+            <a:r>
+              <a:rPr lang="en-US" sz="1800" dirty="0" err="1"/>
+              <a:t>from:"Verona</a:t>
+            </a:r>
+            <a:r>
+              <a:rPr lang="en-US" sz="1800" dirty="0"/>
+              <a:t>", </a:t>
+            </a:r>
+            <a:r>
+              <a:rPr lang="en-US" sz="1800" dirty="0" err="1"/>
+              <a:t>dep:time</a:t>
+            </a:r>
+            <a:r>
+              <a:rPr lang="en-US" sz="1800" dirty="0"/>
+              <a:t>("15:33")}]-(f2:Flight{code:"1245"})</a:t>
+            </a:r>
+          </a:p>
+          <a:p>
+            <a:pPr marL="0" indent="0">
+              <a:buNone/>
+            </a:pPr>
+            <a:r>
+              <a:rPr lang="en-US" sz="1800" b="1" dirty="0"/>
+              <a:t>RETURN</a:t>
+            </a:r>
+            <a:r>
+              <a:rPr lang="en-US" sz="1800" dirty="0"/>
+              <a:t> a</a:t>
+            </a:r>
+          </a:p>
+          <a:p>
+            <a:pPr marL="0" indent="0">
+              <a:buNone/>
+            </a:pPr>
+            <a:r>
+              <a:rPr lang="en-US" sz="1600" i="1" dirty="0"/>
+              <a:t>(match an existing node labeled as ‘Airport’ and named as ‘Schiphol’, then create multiple flights that travel to this this airport)</a:t>
+            </a:r>
+          </a:p>
+          <a:p>
+            <a:pPr marL="0" indent="0">
+              <a:buNone/>
+            </a:pPr>
+            <a:endParaRPr lang="en-US" sz="1800" dirty="0"/>
+          </a:p>
+          <a:p>
+            <a:pPr>
+              <a:spcBef>
+                <a:spcPts val="0"/>
+              </a:spcBef>
+              <a:buSzTx/>
+              <a:buNone/>
+              <a:defRPr sz="1800" b="1"/>
+            </a:pPr>
+            <a:endParaRPr sz="1800" dirty="0"/>
+          </a:p>
+        </p:txBody>
+      </p:sp>
+    </p:spTree>
+    <p:extLst>
+      <p:ext uri="{BB962C8B-B14F-4D97-AF65-F5344CB8AC3E}">
+        <p14:creationId xmlns:p14="http://schemas.microsoft.com/office/powerpoint/2010/main" val="1282410219"/>
+      </p:ext>
+    </p:extLst>
+  </p:cSld>
+  <p:clrMapOvr>
+    <a:masterClrMapping/>
+  </p:clrMapOvr>
+  <mc:AlternateContent xmlns:mc="http://schemas.openxmlformats.org/markup-compatibility/2006" xmlns:p14="http://schemas.microsoft.com/office/powerpoint/2010/main">
+    <mc:Choice Requires="p14">
+      <p:transition p14:dur="250">
+        <p:dissolve/>
+      </p:transition>
+    </mc:Choice>
+    <mc:Fallback xmlns="">
+      <p:transition spd="fast">
+        <p:fade/>
+      </p:transition>
+    </mc:Fallback>
+  </mc:AlternateContent>
+</p:sld>
+</file>
+
+<file path=ppt/slides/slide35.xml><?xml version="1.0" encoding="utf-8"?>
+<p:sld xmlns:a="http://schemas.openxmlformats.org/drawingml/2006/main" xmlns:r="http://schemas.openxmlformats.org/officeDocument/2006/relationships" xmlns:p="http://schemas.openxmlformats.org/presentationml/2006/main">
+  <p:cSld>
+    <p:spTree>
+      <p:nvGrpSpPr>
+        <p:cNvPr id="1" name=""/>
+        <p:cNvGrpSpPr/>
+        <p:nvPr/>
+      </p:nvGrpSpPr>
+      <p:grpSpPr>
+        <a:xfrm>
+          <a:off x="0" y="0"/>
+          <a:ext cx="0" cy="0"/>
+          <a:chOff x="0" y="0"/>
+          <a:chExt cx="0" cy="0"/>
+        </a:xfrm>
+      </p:grpSpPr>
+      <p:sp>
+        <p:nvSpPr>
+          <p:cNvPr id="234" name="Shape 234"/>
+          <p:cNvSpPr>
+            <a:spLocks noGrp="1"/>
+          </p:cNvSpPr>
+          <p:nvPr>
+            <p:ph type="title"/>
+          </p:nvPr>
+        </p:nvSpPr>
+        <p:spPr>
+          <a:xfrm>
+            <a:off x="457200" y="228861"/>
+            <a:ext cx="8229600" cy="733800"/>
+          </a:xfrm>
+          <a:prstGeom prst="rect">
+            <a:avLst/>
+          </a:prstGeom>
+        </p:spPr>
+        <p:txBody>
+          <a:bodyPr>
+            <a:normAutofit/>
+          </a:bodyPr>
+          <a:lstStyle>
+            <a:lvl1pPr>
+              <a:defRPr sz="1800"/>
+            </a:lvl1pPr>
+          </a:lstStyle>
+          <a:p>
+            <a:r>
+              <a:rPr sz="2400" dirty="0"/>
+              <a:t>Cypher: </a:t>
+            </a:r>
+            <a:r>
+              <a:rPr lang="en-US" sz="2400" dirty="0"/>
+              <a:t>Selecting</a:t>
+            </a:r>
+            <a:r>
+              <a:rPr sz="2400" dirty="0"/>
+              <a:t> Nodes</a:t>
+            </a:r>
+          </a:p>
+        </p:txBody>
+      </p:sp>
+      <p:sp>
+        <p:nvSpPr>
+          <p:cNvPr id="235" name="Shape 235"/>
+          <p:cNvSpPr>
+            <a:spLocks noGrp="1"/>
+          </p:cNvSpPr>
+          <p:nvPr>
+            <p:ph type="body" sz="quarter" idx="1"/>
+          </p:nvPr>
+        </p:nvSpPr>
+        <p:spPr>
+          <a:xfrm>
+            <a:off x="457200" y="1012700"/>
+            <a:ext cx="7245626" cy="3489726"/>
+          </a:xfrm>
+          <a:prstGeom prst="rect">
+            <a:avLst/>
+          </a:prstGeom>
+          <a:ln w="9525">
+            <a:solidFill>
+              <a:srgbClr val="000000"/>
+            </a:solidFill>
+            <a:round/>
+          </a:ln>
+        </p:spPr>
+        <p:txBody>
+          <a:bodyPr>
+            <a:normAutofit/>
+          </a:bodyPr>
+          <a:lstStyle/>
+          <a:p>
+            <a:pPr marL="0" indent="0">
+              <a:buNone/>
+            </a:pPr>
+            <a:r>
+              <a:rPr lang="en-US" sz="1800" b="1" i="1" dirty="0"/>
+              <a:t># assuming you have multiple nodes that have ‘Works’ relationship with other nodes</a:t>
+            </a:r>
+            <a:endParaRPr lang="en-US" sz="1800" b="1" dirty="0"/>
+          </a:p>
+          <a:p>
+            <a:pPr marL="0" indent="0">
+              <a:buNone/>
+            </a:pPr>
+            <a:r>
+              <a:rPr lang="en-US" sz="1800" b="1" dirty="0"/>
+              <a:t>MATCH</a:t>
+            </a:r>
+            <a:r>
+              <a:rPr lang="en-US" sz="1800" dirty="0"/>
+              <a:t> (n)-[:Works]-(m) </a:t>
+            </a:r>
+            <a:r>
+              <a:rPr lang="en-US" sz="1800" b="1" dirty="0"/>
+              <a:t>RETURN</a:t>
+            </a:r>
+            <a:r>
+              <a:rPr lang="en-US" sz="1800" dirty="0"/>
+              <a:t> n</a:t>
+            </a:r>
+          </a:p>
+          <a:p>
+            <a:pPr marL="0" indent="0">
+              <a:buNone/>
+            </a:pPr>
+            <a:r>
+              <a:rPr lang="en-US" sz="1600" i="1" dirty="0"/>
+              <a:t>(find all nodes that have similar relationships no matter in which direction)</a:t>
+            </a:r>
+          </a:p>
+          <a:p>
+            <a:pPr marL="0" indent="0">
+              <a:buNone/>
+            </a:pPr>
+            <a:r>
+              <a:rPr lang="en-US" sz="1800" b="1" dirty="0"/>
+              <a:t>MATCH</a:t>
+            </a:r>
+            <a:r>
+              <a:rPr lang="en-US" sz="1800" dirty="0"/>
+              <a:t> (n)-[:Works]-&gt;(m) </a:t>
+            </a:r>
+            <a:r>
+              <a:rPr lang="en-US" sz="1800" b="1" dirty="0"/>
+              <a:t>RETURN</a:t>
+            </a:r>
+            <a:r>
+              <a:rPr lang="en-US" sz="1800" dirty="0"/>
+              <a:t> n</a:t>
+            </a:r>
+          </a:p>
+          <a:p>
+            <a:pPr marL="0" indent="0">
+              <a:buNone/>
+            </a:pPr>
+            <a:r>
+              <a:rPr lang="en-US" sz="1800" i="1" dirty="0"/>
+              <a:t>(find all nodes that have similar relationships where the direction is specified from left to right)</a:t>
+            </a:r>
+            <a:endParaRPr lang="en-US" sz="1800" dirty="0"/>
+          </a:p>
+          <a:p>
+            <a:pPr marL="0" indent="0">
+              <a:buNone/>
+            </a:pPr>
+            <a:r>
+              <a:rPr lang="en-US" sz="1800" b="1" dirty="0"/>
+              <a:t>MATCH</a:t>
+            </a:r>
+            <a:r>
+              <a:rPr lang="en-US" sz="1800" dirty="0"/>
+              <a:t> (n)&lt;-[:Works]-(m) </a:t>
+            </a:r>
+            <a:r>
+              <a:rPr lang="en-US" sz="1800" b="1" dirty="0"/>
+              <a:t>RETURN</a:t>
+            </a:r>
+            <a:r>
+              <a:rPr lang="en-US" sz="1800" dirty="0"/>
+              <a:t> n </a:t>
+            </a:r>
+          </a:p>
+          <a:p>
+            <a:pPr marL="0" indent="0">
+              <a:buNone/>
+            </a:pPr>
+            <a:r>
+              <a:rPr lang="en-US" sz="1800" i="1" dirty="0"/>
+              <a:t>(find  all nodes that have similar relationships where the direction is specified from right to left)</a:t>
+            </a:r>
+            <a:endParaRPr lang="en-US" sz="1800" dirty="0"/>
+          </a:p>
+        </p:txBody>
+      </p:sp>
+    </p:spTree>
+    <p:extLst>
+      <p:ext uri="{BB962C8B-B14F-4D97-AF65-F5344CB8AC3E}">
+        <p14:creationId xmlns:p14="http://schemas.microsoft.com/office/powerpoint/2010/main" val="993614909"/>
+      </p:ext>
+    </p:extLst>
+  </p:cSld>
+  <p:clrMapOvr>
+    <a:masterClrMapping/>
+  </p:clrMapOvr>
+  <mc:AlternateContent xmlns:mc="http://schemas.openxmlformats.org/markup-compatibility/2006" xmlns:p14="http://schemas.microsoft.com/office/powerpoint/2010/main">
+    <mc:Choice Requires="p14">
+      <p:transition p14:dur="250">
+        <p:dissolve/>
+      </p:transition>
+    </mc:Choice>
+    <mc:Fallback xmlns="">
+      <p:transition spd="fast">
+        <p:fade/>
+      </p:transition>
+    </mc:Fallback>
+  </mc:AlternateContent>
+</p:sld>
+</file>
+
+<file path=ppt/slides/slide36.xml><?xml version="1.0" encoding="utf-8"?>
+<p:sld xmlns:a="http://schemas.openxmlformats.org/drawingml/2006/main" xmlns:r="http://schemas.openxmlformats.org/officeDocument/2006/relationships" xmlns:p="http://schemas.openxmlformats.org/presentationml/2006/main">
+  <p:cSld>
+    <p:spTree>
+      <p:nvGrpSpPr>
+        <p:cNvPr id="1" name=""/>
+        <p:cNvGrpSpPr/>
+        <p:nvPr/>
+      </p:nvGrpSpPr>
+      <p:grpSpPr>
+        <a:xfrm>
+          <a:off x="0" y="0"/>
+          <a:ext cx="0" cy="0"/>
+          <a:chOff x="0" y="0"/>
+          <a:chExt cx="0" cy="0"/>
+        </a:xfrm>
+      </p:grpSpPr>
+      <p:sp>
+        <p:nvSpPr>
           <p:cNvPr id="238" name="Shape 238"/>
           <p:cNvSpPr>
             <a:spLocks noGrp="1"/>
@@ -12848,7 +13584,7 @@
 </p:sld>
 </file>
 
-<file path=ppt/slides/slide34.xml><?xml version="1.0" encoding="utf-8"?>
+<file path=ppt/slides/slide37.xml><?xml version="1.0" encoding="utf-8"?>
 <p:sld xmlns:a="http://schemas.openxmlformats.org/drawingml/2006/main" xmlns:r="http://schemas.openxmlformats.org/officeDocument/2006/relationships" xmlns:p="http://schemas.openxmlformats.org/presentationml/2006/main">
   <p:cSld>
     <p:spTree>
@@ -12944,6 +13680,21 @@
               <a:defRPr sz="1800" b="1"/>
             </a:pPr>
             <a:r>
+              <a:rPr lang="en-US" i="1" dirty="0"/>
+              <a:t># assuming some nodes labeled as employees with different names exists</a:t>
+            </a:r>
+            <a:endParaRPr lang="en-US" dirty="0"/>
+          </a:p>
+          <a:p>
+            <a:pPr>
+              <a:spcBef>
+                <a:spcPts val="0"/>
+              </a:spcBef>
+              <a:buSzTx/>
+              <a:buNone/>
+              <a:defRPr sz="1800" b="1"/>
+            </a:pPr>
+            <a:r>
               <a:rPr dirty="0"/>
               <a:t>MATCH </a:t>
             </a:r>
@@ -13054,6 +13805,16 @@
               <a:defRPr sz="1800" b="1"/>
             </a:pPr>
             <a:r>
+              <a:rPr lang="en-US" i="1" dirty="0"/>
+              <a:t># assuming a node with the name ‘Andres’ exists</a:t>
+            </a:r>
+            <a:endParaRPr lang="pt" dirty="0"/>
+          </a:p>
+          <a:p>
+            <a:pPr>
+              <a:defRPr sz="1800" b="1"/>
+            </a:pPr>
+            <a:r>
               <a:rPr lang="pt" dirty="0"/>
               <a:t>MATCH </a:t>
             </a:r>
@@ -13076,18 +13837,18 @@
               <a:defRPr sz="1800" b="1"/>
             </a:pPr>
             <a:r>
-              <a:rPr dirty="0"/>
+              <a:rPr i="1" dirty="0"/>
               <a:t>(</a:t>
             </a:r>
             <a:r>
-              <a:rPr lang="en-US" dirty="0"/>
+              <a:rPr lang="en-US" i="1" dirty="0"/>
               <a:t>Delete </a:t>
             </a:r>
             <a:r>
-              <a:rPr dirty="0"/>
+              <a:rPr i="1" dirty="0"/>
               <a:t>all relationships of node with name ‘Andres’)</a:t>
             </a:r>
-            <a:endParaRPr sz="3200" dirty="0"/>
+            <a:endParaRPr sz="3200" i="1" dirty="0"/>
           </a:p>
         </p:txBody>
       </p:sp>
@@ -13196,7 +13957,7 @@
 </p:sld>
 </file>
 
-<file path=ppt/slides/slide35.xml><?xml version="1.0" encoding="utf-8"?>
+<file path=ppt/slides/slide38.xml><?xml version="1.0" encoding="utf-8"?>
 <p:sld xmlns:a="http://schemas.openxmlformats.org/drawingml/2006/main" xmlns:r="http://schemas.openxmlformats.org/officeDocument/2006/relationships" xmlns:p="http://schemas.openxmlformats.org/presentationml/2006/main">
   <p:cSld>
     <p:spTree>
@@ -13323,7 +14084,11 @@
             </a:r>
             <a:r>
               <a:rPr lang="en-US" b="0" dirty="0"/>
-              <a:t>Employee) - {:Works</a:t>
+              <a:t>Employee) – [</a:t>
+            </a:r>
+            <a:r>
+              <a:rPr lang="en-US" b="0" dirty="0" err="1"/>
+              <a:t>w:Works</a:t>
             </a:r>
             <a:r>
               <a:rPr sz="1800" b="0" dirty="0"/>
@@ -13400,7 +14165,31 @@
             </a:pPr>
             <a:r>
               <a:rPr dirty="0"/>
-              <a:t>(find all ‘friends’ of 'Andres')</a:t>
+              <a:t>(find all ‘</a:t>
+            </a:r>
+            <a:r>
+              <a:rPr lang="en-US" dirty="0"/>
+              <a:t>employees</a:t>
+            </a:r>
+            <a:r>
+              <a:rPr dirty="0"/>
+              <a:t>’ </a:t>
+            </a:r>
+            <a:r>
+              <a:rPr lang="en-US" dirty="0"/>
+              <a:t>that have a work relationship with a company located in ‘new </a:t>
+            </a:r>
+            <a:r>
+              <a:rPr lang="en-US" dirty="0" err="1"/>
+              <a:t>york</a:t>
+            </a:r>
+            <a:r>
+              <a:rPr lang="en-US" dirty="0"/>
+              <a:t>’</a:t>
+            </a:r>
+            <a:r>
+              <a:rPr dirty="0"/>
+              <a:t>)</a:t>
             </a:r>
           </a:p>
         </p:txBody>
@@ -13657,7 +14446,839 @@
 </p:sld>
 </file>
 
-<file path=ppt/slides/slide36.xml><?xml version="1.0" encoding="utf-8"?>
+<file path=ppt/slides/slide39.xml><?xml version="1.0" encoding="utf-8"?>
+<p:sld xmlns:a="http://schemas.openxmlformats.org/drawingml/2006/main" xmlns:r="http://schemas.openxmlformats.org/officeDocument/2006/relationships" xmlns:p="http://schemas.openxmlformats.org/presentationml/2006/main">
+  <p:cSld>
+    <p:spTree>
+      <p:nvGrpSpPr>
+        <p:cNvPr id="1" name=""/>
+        <p:cNvGrpSpPr/>
+        <p:nvPr/>
+      </p:nvGrpSpPr>
+      <p:grpSpPr>
+        <a:xfrm>
+          <a:off x="0" y="0"/>
+          <a:ext cx="0" cy="0"/>
+          <a:chOff x="0" y="0"/>
+          <a:chExt cx="0" cy="0"/>
+        </a:xfrm>
+      </p:grpSpPr>
+      <p:sp>
+        <p:nvSpPr>
+          <p:cNvPr id="245" name="Shape 245"/>
+          <p:cNvSpPr>
+            <a:spLocks noGrp="1"/>
+          </p:cNvSpPr>
+          <p:nvPr>
+            <p:ph type="title"/>
+          </p:nvPr>
+        </p:nvSpPr>
+        <p:spPr>
+          <a:xfrm>
+            <a:off x="457200" y="228861"/>
+            <a:ext cx="8229600" cy="733800"/>
+          </a:xfrm>
+          <a:prstGeom prst="rect">
+            <a:avLst/>
+          </a:prstGeom>
+        </p:spPr>
+        <p:txBody>
+          <a:bodyPr>
+            <a:normAutofit/>
+          </a:bodyPr>
+          <a:lstStyle>
+            <a:lvl1pPr>
+              <a:defRPr sz="1800"/>
+            </a:lvl1pPr>
+          </a:lstStyle>
+          <a:p>
+            <a:r>
+              <a:rPr sz="2400" dirty="0"/>
+              <a:t>Cypher: </a:t>
+            </a:r>
+            <a:r>
+              <a:rPr lang="en-US" sz="2400" dirty="0"/>
+              <a:t>Finding Nodes and Matching Patterns</a:t>
+            </a:r>
+            <a:endParaRPr sz="2400" dirty="0"/>
+          </a:p>
+        </p:txBody>
+      </p:sp>
+      <p:sp>
+        <p:nvSpPr>
+          <p:cNvPr id="246" name="Shape 246"/>
+          <p:cNvSpPr>
+            <a:spLocks noGrp="1"/>
+          </p:cNvSpPr>
+          <p:nvPr>
+            <p:ph type="body" sz="half" idx="1"/>
+          </p:nvPr>
+        </p:nvSpPr>
+        <p:spPr>
+          <a:xfrm>
+            <a:off x="457499" y="3243349"/>
+            <a:ext cx="8343601" cy="2136601"/>
+          </a:xfrm>
+          <a:prstGeom prst="rect">
+            <a:avLst/>
+          </a:prstGeom>
+          <a:ln w="9525">
+            <a:solidFill>
+              <a:srgbClr val="000000"/>
+            </a:solidFill>
+            <a:round/>
+          </a:ln>
+        </p:spPr>
+        <p:txBody>
+          <a:bodyPr>
+            <a:normAutofit fontScale="92500" lnSpcReduction="20000"/>
+          </a:bodyPr>
+          <a:lstStyle/>
+          <a:p>
+            <a:pPr>
+              <a:spcBef>
+                <a:spcPts val="0"/>
+              </a:spcBef>
+              <a:buSzTx/>
+              <a:buNone/>
+              <a:defRPr sz="1800" b="1"/>
+            </a:pPr>
+            <a:r>
+              <a:rPr lang="en-US" sz="1800" dirty="0"/>
+              <a:t># </a:t>
+            </a:r>
+            <a:r>
+              <a:rPr lang="en-US" sz="1800" i="1" dirty="0"/>
+              <a:t>assuming some airport nodes and their relationships to other nodes exists</a:t>
+            </a:r>
+          </a:p>
+          <a:p>
+            <a:pPr marL="0" indent="0">
+              <a:buNone/>
+            </a:pPr>
+            <a:r>
+              <a:rPr lang="en-US" sz="1800" b="1" dirty="0"/>
+              <a:t>MATCH</a:t>
+            </a:r>
+            <a:r>
+              <a:rPr lang="en-US" sz="1800" dirty="0"/>
+              <a:t> (</a:t>
+            </a:r>
+            <a:r>
+              <a:rPr lang="en-US" sz="1800" dirty="0" err="1"/>
+              <a:t>a:Airport</a:t>
+            </a:r>
+            <a:r>
+              <a:rPr lang="en-US" sz="1800" dirty="0"/>
+              <a:t>)-[r]-(m)</a:t>
+            </a:r>
+          </a:p>
+          <a:p>
+            <a:pPr marL="0" indent="0">
+              <a:buNone/>
+            </a:pPr>
+            <a:r>
+              <a:rPr lang="en-US" sz="1800" b="1" dirty="0"/>
+              <a:t>WITH</a:t>
+            </a:r>
+            <a:r>
+              <a:rPr lang="en-US" sz="1800" dirty="0"/>
+              <a:t> </a:t>
+            </a:r>
+            <a:r>
+              <a:rPr lang="en-US" sz="1800" dirty="0" err="1"/>
+              <a:t>a.name</a:t>
+            </a:r>
+            <a:r>
+              <a:rPr lang="en-US" sz="1800" dirty="0"/>
+              <a:t> </a:t>
+            </a:r>
+            <a:r>
+              <a:rPr lang="en-US" sz="1800" b="1" dirty="0"/>
+              <a:t>AS</a:t>
+            </a:r>
+            <a:r>
+              <a:rPr lang="en-US" sz="1800" dirty="0"/>
+              <a:t> </a:t>
+            </a:r>
+            <a:r>
+              <a:rPr lang="en-US" sz="1800" dirty="0" err="1"/>
+              <a:t>airportname</a:t>
+            </a:r>
+            <a:r>
+              <a:rPr lang="en-US" sz="1800" dirty="0"/>
+              <a:t>, type(r) </a:t>
+            </a:r>
+            <a:r>
+              <a:rPr lang="en-US" sz="1800" b="1" dirty="0"/>
+              <a:t>AS</a:t>
+            </a:r>
+            <a:r>
+              <a:rPr lang="en-US" sz="1800" dirty="0"/>
+              <a:t> </a:t>
+            </a:r>
+            <a:r>
+              <a:rPr lang="en-US" sz="1800" dirty="0" err="1"/>
+              <a:t>tr</a:t>
+            </a:r>
+            <a:r>
+              <a:rPr lang="en-US" sz="1800" dirty="0"/>
+              <a:t> ,count(r) </a:t>
+            </a:r>
+            <a:r>
+              <a:rPr lang="en-US" sz="1800" b="1" dirty="0"/>
+              <a:t>AS</a:t>
+            </a:r>
+            <a:r>
+              <a:rPr lang="en-US" sz="1800" dirty="0"/>
+              <a:t> </a:t>
+            </a:r>
+            <a:r>
+              <a:rPr lang="en-US" sz="1800" dirty="0" err="1"/>
+              <a:t>cnt</a:t>
+            </a:r>
+            <a:endParaRPr lang="en-US" sz="1800" dirty="0"/>
+          </a:p>
+          <a:p>
+            <a:pPr marL="0" indent="0">
+              <a:buNone/>
+            </a:pPr>
+            <a:r>
+              <a:rPr lang="en-US" sz="1800" b="1" dirty="0"/>
+              <a:t>WHERE</a:t>
+            </a:r>
+            <a:r>
+              <a:rPr lang="en-US" sz="1800" dirty="0"/>
+              <a:t> </a:t>
+            </a:r>
+            <a:r>
+              <a:rPr lang="en-US" sz="1800" dirty="0" err="1"/>
+              <a:t>cnt</a:t>
+            </a:r>
+            <a:r>
+              <a:rPr lang="en-US" sz="1800" dirty="0"/>
+              <a:t> &gt; 3 and </a:t>
+            </a:r>
+            <a:r>
+              <a:rPr lang="en-US" sz="1800" dirty="0" err="1"/>
+              <a:t>cnt</a:t>
+            </a:r>
+            <a:r>
+              <a:rPr lang="en-US" sz="1800" dirty="0"/>
+              <a:t> &lt; 10</a:t>
+            </a:r>
+          </a:p>
+          <a:p>
+            <a:pPr marL="0" indent="0">
+              <a:buNone/>
+            </a:pPr>
+            <a:r>
+              <a:rPr lang="en-US" sz="1800" b="1" dirty="0"/>
+              <a:t>RETURN</a:t>
+            </a:r>
+            <a:r>
+              <a:rPr lang="en-US" sz="1800" dirty="0"/>
+              <a:t> *</a:t>
+            </a:r>
+          </a:p>
+          <a:p>
+            <a:pPr marL="0" indent="0">
+              <a:buNone/>
+            </a:pPr>
+            <a:r>
+              <a:rPr lang="en-US" sz="1700" i="1" dirty="0"/>
+              <a:t>(Find all airports, their relationships and the number of the relationships of the same type and return only those where the number of relations of the same kind is between 3 and 10)</a:t>
+            </a:r>
+          </a:p>
+          <a:p>
+            <a:pPr marL="0" indent="0">
+              <a:buNone/>
+            </a:pPr>
+            <a:endParaRPr lang="en-US" sz="1800" dirty="0"/>
+          </a:p>
+        </p:txBody>
+      </p:sp>
+      <p:sp>
+        <p:nvSpPr>
+          <p:cNvPr id="247" name="Shape 247"/>
+          <p:cNvSpPr/>
+          <p:nvPr/>
+        </p:nvSpPr>
+        <p:spPr>
+          <a:xfrm>
+            <a:off x="457200" y="1066209"/>
+            <a:ext cx="8343900" cy="1851025"/>
+          </a:xfrm>
+          <a:prstGeom prst="rect">
+            <a:avLst/>
+          </a:prstGeom>
+          <a:ln>
+            <a:solidFill>
+              <a:srgbClr val="000000"/>
+            </a:solidFill>
+          </a:ln>
+          <a:extLst>
+            <a:ext uri="{C572A759-6A51-4108-AA02-DFA0A04FC94B}">
+              <ma14:wrappingTextBoxFlag xmlns="" xmlns:ma14="http://schemas.microsoft.com/office/mac/drawingml/2011/main" val="1"/>
+            </a:ext>
+          </a:extLst>
+        </p:spPr>
+        <p:txBody>
+          <a:bodyPr lIns="91424" tIns="91424" rIns="91424" bIns="91424">
+            <a:normAutofit/>
+          </a:bodyPr>
+          <a:lstStyle/>
+          <a:p>
+            <a:pPr marL="342900" indent="-342900" defTabSz="457200">
+              <a:defRPr sz="1800" b="1"/>
+            </a:pPr>
+            <a:r>
+              <a:rPr lang="en-US" sz="1800" i="1" dirty="0"/>
+              <a:t># assuming some airports with the property size that have relationships to other nodes are created</a:t>
+            </a:r>
+          </a:p>
+          <a:p>
+            <a:r>
+              <a:rPr lang="en-US" sz="1800" b="1" dirty="0"/>
+              <a:t>MATCH</a:t>
+            </a:r>
+            <a:r>
+              <a:rPr lang="en-US" sz="1800" dirty="0"/>
+              <a:t>  (</a:t>
+            </a:r>
+            <a:r>
+              <a:rPr lang="en-US" sz="1800" dirty="0" err="1"/>
+              <a:t>a:Airport</a:t>
+            </a:r>
+            <a:r>
+              <a:rPr lang="en-US" sz="1800" dirty="0"/>
+              <a:t>{</a:t>
+            </a:r>
+            <a:r>
+              <a:rPr lang="en-US" sz="1800" dirty="0" err="1"/>
+              <a:t>size:"Medium</a:t>
+            </a:r>
+            <a:r>
+              <a:rPr lang="en-US" sz="1800" dirty="0"/>
+              <a:t>"})-[</a:t>
+            </a:r>
+            <a:r>
+              <a:rPr lang="en-US" sz="1800" dirty="0" err="1"/>
+              <a:t>i</a:t>
+            </a:r>
+            <a:r>
+              <a:rPr lang="en-US" sz="1800" dirty="0"/>
+              <a:t>]-(m)</a:t>
+            </a:r>
+          </a:p>
+          <a:p>
+            <a:r>
+              <a:rPr lang="en-US" sz="1800" b="1" dirty="0"/>
+              <a:t>RETURN</a:t>
+            </a:r>
+            <a:r>
+              <a:rPr lang="en-US" sz="1800" dirty="0"/>
+              <a:t> </a:t>
+            </a:r>
+            <a:r>
+              <a:rPr lang="en-US" sz="1800" dirty="0" err="1"/>
+              <a:t>a.name</a:t>
+            </a:r>
+            <a:r>
+              <a:rPr lang="en-US" sz="1800" dirty="0"/>
+              <a:t>, type(</a:t>
+            </a:r>
+            <a:r>
+              <a:rPr lang="en-US" sz="1800" dirty="0" err="1"/>
+              <a:t>i</a:t>
+            </a:r>
+            <a:r>
+              <a:rPr lang="en-US" sz="1800" dirty="0"/>
+              <a:t>), count(</a:t>
+            </a:r>
+            <a:r>
+              <a:rPr lang="en-US" sz="1800" dirty="0" err="1"/>
+              <a:t>i</a:t>
+            </a:r>
+            <a:r>
+              <a:rPr lang="en-US" sz="1800" dirty="0"/>
+              <a:t>)</a:t>
+            </a:r>
+          </a:p>
+          <a:p>
+            <a:pPr marL="342900" indent="-342900" defTabSz="457200">
+              <a:lnSpc>
+                <a:spcPct val="115000"/>
+              </a:lnSpc>
+              <a:defRPr sz="1800" i="1"/>
+            </a:pPr>
+            <a:r>
+              <a:rPr lang="en-US" sz="1600" dirty="0"/>
+              <a:t>(Find all medium sized airports, their relationships and the number of the relationships of the same type)</a:t>
+            </a:r>
+            <a:endParaRPr sz="1600" dirty="0"/>
+          </a:p>
+        </p:txBody>
+      </p:sp>
+    </p:spTree>
+    <p:extLst>
+      <p:ext uri="{BB962C8B-B14F-4D97-AF65-F5344CB8AC3E}">
+        <p14:creationId xmlns:p14="http://schemas.microsoft.com/office/powerpoint/2010/main" val="3151568677"/>
+      </p:ext>
+    </p:extLst>
+  </p:cSld>
+  <p:clrMapOvr>
+    <a:masterClrMapping/>
+  </p:clrMapOvr>
+  <mc:AlternateContent xmlns:mc="http://schemas.openxmlformats.org/markup-compatibility/2006" xmlns:p14="http://schemas.microsoft.com/office/powerpoint/2010/main">
+    <mc:Choice Requires="p14">
+      <p:transition p14:dur="250">
+        <p:dissolve/>
+      </p:transition>
+    </mc:Choice>
+    <mc:Fallback xmlns="">
+      <p:transition spd="fast">
+        <p:fade/>
+      </p:transition>
+    </mc:Fallback>
+  </mc:AlternateContent>
+  <p:timing>
+    <p:tnLst>
+      <p:par>
+        <p:cTn id="1" dur="indefinite" restart="never" fill="hold" nodeType="tmRoot">
+          <p:childTnLst>
+            <p:seq concurrent="1" prevAc="none" nextAc="seek">
+              <p:cTn id="2" dur="indefinite" fill="hold" nodeType="mainSeq">
+                <p:childTnLst>
+                  <p:par>
+                    <p:cTn id="3" fill="hold">
+                      <p:stCondLst>
+                        <p:cond delay="indefinite"/>
+                      </p:stCondLst>
+                      <p:childTnLst>
+                        <p:par>
+                          <p:cTn id="4" fill="hold">
+                            <p:stCondLst>
+                              <p:cond delay="0"/>
+                            </p:stCondLst>
+                            <p:childTnLst>
+                              <p:par>
+                                <p:cTn id="5" presetID="9" presetClass="entr" fill="hold" grpId="0" nodeType="clickEffect">
+                                  <p:stCondLst>
+                                    <p:cond delay="0"/>
+                                  </p:stCondLst>
+                                  <p:iterate>
+                                    <p:tmAbs val="0"/>
+                                  </p:iterate>
+                                  <p:childTnLst>
+                                    <p:set>
+                                      <p:cBhvr>
+                                        <p:cTn id="6" fill="hold"/>
+                                        <p:tgtEl>
+                                          <p:spTgt spid="246"/>
+                                        </p:tgtEl>
+                                        <p:attrNameLst>
+                                          <p:attrName>style.visibility</p:attrName>
+                                        </p:attrNameLst>
+                                      </p:cBhvr>
+                                      <p:to>
+                                        <p:strVal val="visible"/>
+                                      </p:to>
+                                    </p:set>
+                                    <p:animEffect transition="in" filter="dissolve">
+                                      <p:cBhvr>
+                                        <p:cTn id="7" dur="1000"/>
+                                        <p:tgtEl>
+                                          <p:spTgt spid="246"/>
+                                        </p:tgtEl>
+                                      </p:cBhvr>
+                                    </p:animEffect>
+                                  </p:childTnLst>
+                                </p:cTn>
+                              </p:par>
+                            </p:childTnLst>
+                          </p:cTn>
+                        </p:par>
+                      </p:childTnLst>
+                    </p:cTn>
+                  </p:par>
+                </p:childTnLst>
+              </p:cTn>
+              <p:prevCondLst>
+                <p:cond evt="onPrev" delay="0">
+                  <p:tgtEl>
+                    <p:sldTgt/>
+                  </p:tgtEl>
+                </p:cond>
+              </p:prevCondLst>
+              <p:nextCondLst>
+                <p:cond evt="onNext" delay="0">
+                  <p:tgtEl>
+                    <p:sldTgt/>
+                  </p:tgtEl>
+                </p:cond>
+              </p:nextCondLst>
+            </p:seq>
+          </p:childTnLst>
+        </p:cTn>
+      </p:par>
+    </p:tnLst>
+    <p:bldLst>
+      <p:bldP spid="246" grpId="0" animBg="1" advAuto="0"/>
+    </p:bldLst>
+  </p:timing>
+</p:sld>
+</file>
+
+<file path=ppt/slides/slide4.xml><?xml version="1.0" encoding="utf-8"?>
+<p:sld xmlns:a="http://schemas.openxmlformats.org/drawingml/2006/main" xmlns:r="http://schemas.openxmlformats.org/officeDocument/2006/relationships" xmlns:p="http://schemas.openxmlformats.org/presentationml/2006/main">
+  <p:cSld>
+    <p:spTree>
+      <p:nvGrpSpPr>
+        <p:cNvPr id="1" name=""/>
+        <p:cNvGrpSpPr/>
+        <p:nvPr/>
+      </p:nvGrpSpPr>
+      <p:grpSpPr>
+        <a:xfrm>
+          <a:off x="0" y="0"/>
+          <a:ext cx="0" cy="0"/>
+          <a:chOff x="0" y="0"/>
+          <a:chExt cx="0" cy="0"/>
+        </a:xfrm>
+      </p:grpSpPr>
+      <p:sp>
+        <p:nvSpPr>
+          <p:cNvPr id="138" name="Shape 138"/>
+          <p:cNvSpPr>
+            <a:spLocks noGrp="1"/>
+          </p:cNvSpPr>
+          <p:nvPr>
+            <p:ph type="title"/>
+          </p:nvPr>
+        </p:nvSpPr>
+        <p:spPr>
+          <a:xfrm>
+            <a:off x="457200" y="228850"/>
+            <a:ext cx="8523600" cy="733800"/>
+          </a:xfrm>
+          <a:prstGeom prst="rect">
+            <a:avLst/>
+          </a:prstGeom>
+        </p:spPr>
+        <p:txBody>
+          <a:bodyPr/>
+          <a:lstStyle>
+            <a:lvl1pPr>
+              <a:defRPr sz="2400"/>
+            </a:lvl1pPr>
+          </a:lstStyle>
+          <a:p>
+            <a:r>
+              <a:t>Advantages of Relational Databases</a:t>
+            </a:r>
+          </a:p>
+        </p:txBody>
+      </p:sp>
+      <p:sp>
+        <p:nvSpPr>
+          <p:cNvPr id="139" name="Shape 139"/>
+          <p:cNvSpPr>
+            <a:spLocks noGrp="1"/>
+          </p:cNvSpPr>
+          <p:nvPr>
+            <p:ph type="body" idx="1"/>
+          </p:nvPr>
+        </p:nvSpPr>
+        <p:spPr>
+          <a:xfrm>
+            <a:off x="457199" y="1038399"/>
+            <a:ext cx="8432101" cy="4434601"/>
+          </a:xfrm>
+          <a:prstGeom prst="rect">
+            <a:avLst/>
+          </a:prstGeom>
+        </p:spPr>
+        <p:txBody>
+          <a:bodyPr/>
+          <a:lstStyle/>
+          <a:p>
+            <a:pPr marL="457200" indent="-419100">
+              <a:spcBef>
+                <a:spcPts val="1000"/>
+              </a:spcBef>
+              <a:buFont typeface="Arial"/>
+              <a:buChar char="●"/>
+              <a:defRPr sz="2400">
+                <a:latin typeface="+mn-lt"/>
+                <a:ea typeface="+mn-ea"/>
+                <a:cs typeface="+mn-cs"/>
+                <a:sym typeface="Arial"/>
+              </a:defRPr>
+            </a:pPr>
+            <a:r>
+              <a:rPr dirty="0"/>
+              <a:t>A (mostly) </a:t>
+            </a:r>
+            <a:r>
+              <a:rPr dirty="0">
+                <a:solidFill>
+                  <a:srgbClr val="990000"/>
+                </a:solidFill>
+              </a:rPr>
+              <a:t>standard</a:t>
+            </a:r>
+            <a:r>
+              <a:rPr dirty="0"/>
+              <a:t> data model</a:t>
+            </a:r>
+          </a:p>
+          <a:p>
+            <a:pPr marL="457200" indent="-419100">
+              <a:spcBef>
+                <a:spcPts val="0"/>
+              </a:spcBef>
+              <a:buFont typeface="Arial"/>
+              <a:buChar char="●"/>
+              <a:defRPr sz="2400">
+                <a:latin typeface="+mn-lt"/>
+                <a:ea typeface="+mn-ea"/>
+                <a:cs typeface="+mn-cs"/>
+                <a:sym typeface="Arial"/>
+              </a:defRPr>
+            </a:pPr>
+            <a:r>
+              <a:rPr dirty="0"/>
+              <a:t>Many well </a:t>
+            </a:r>
+            <a:r>
+              <a:rPr dirty="0">
+                <a:solidFill>
+                  <a:srgbClr val="990000"/>
+                </a:solidFill>
+              </a:rPr>
+              <a:t>developed</a:t>
+            </a:r>
+            <a:r>
+              <a:rPr dirty="0"/>
+              <a:t> technologies</a:t>
+            </a:r>
+          </a:p>
+          <a:p>
+            <a:pPr marL="914400" lvl="1" indent="-381000">
+              <a:spcBef>
+                <a:spcPts val="0"/>
+              </a:spcBef>
+              <a:buClr>
+                <a:srgbClr val="000000"/>
+              </a:buClr>
+              <a:buSzPct val="80000"/>
+              <a:buFont typeface="Courier New"/>
+              <a:buChar char="o"/>
+              <a:defRPr sz="2400">
+                <a:latin typeface="+mn-lt"/>
+                <a:ea typeface="+mn-ea"/>
+                <a:cs typeface="+mn-cs"/>
+                <a:sym typeface="Arial"/>
+              </a:defRPr>
+            </a:pPr>
+            <a:r>
+              <a:rPr dirty="0"/>
+              <a:t>physical organization of the data</a:t>
+            </a:r>
+            <a:endParaRPr sz="2800" dirty="0"/>
+          </a:p>
+          <a:p>
+            <a:pPr marL="914400" lvl="1" indent="-381000">
+              <a:spcBef>
+                <a:spcPts val="0"/>
+              </a:spcBef>
+              <a:buClr>
+                <a:srgbClr val="000000"/>
+              </a:buClr>
+              <a:buSzPct val="80000"/>
+              <a:buFont typeface="Courier New"/>
+              <a:buChar char="o"/>
+              <a:defRPr sz="2400">
+                <a:latin typeface="+mn-lt"/>
+                <a:ea typeface="+mn-ea"/>
+                <a:cs typeface="+mn-cs"/>
+                <a:sym typeface="Arial"/>
+              </a:defRPr>
+            </a:pPr>
+            <a:r>
+              <a:rPr dirty="0"/>
+              <a:t>search indexes: hash indexes</a:t>
+            </a:r>
+            <a:endParaRPr sz="2800" dirty="0"/>
+          </a:p>
+          <a:p>
+            <a:pPr marL="914400" lvl="1" indent="-381000">
+              <a:spcBef>
+                <a:spcPts val="0"/>
+              </a:spcBef>
+              <a:buClr>
+                <a:srgbClr val="000000"/>
+              </a:buClr>
+              <a:buSzPct val="80000"/>
+              <a:buFont typeface="Courier New"/>
+              <a:buChar char="o"/>
+              <a:defRPr sz="2400">
+                <a:latin typeface="+mn-lt"/>
+                <a:ea typeface="+mn-ea"/>
+                <a:cs typeface="+mn-cs"/>
+                <a:sym typeface="Arial"/>
+              </a:defRPr>
+            </a:pPr>
+            <a:r>
+              <a:rPr dirty="0"/>
+              <a:t>query optimization, search operator implementations</a:t>
+            </a:r>
+            <a:endParaRPr sz="2800" dirty="0"/>
+          </a:p>
+          <a:p>
+            <a:pPr marL="457200" indent="-419100">
+              <a:spcBef>
+                <a:spcPts val="1000"/>
+              </a:spcBef>
+              <a:buFont typeface="Arial"/>
+              <a:buChar char="●"/>
+              <a:defRPr sz="2400">
+                <a:latin typeface="+mn-lt"/>
+                <a:ea typeface="+mn-ea"/>
+                <a:cs typeface="+mn-cs"/>
+                <a:sym typeface="Arial"/>
+              </a:defRPr>
+            </a:pPr>
+            <a:r>
+              <a:rPr dirty="0"/>
+              <a:t>Reliable </a:t>
+            </a:r>
+            <a:r>
+              <a:rPr dirty="0">
+                <a:solidFill>
+                  <a:srgbClr val="990000"/>
+                </a:solidFill>
+              </a:rPr>
+              <a:t>concurrency</a:t>
+            </a:r>
+            <a:r>
+              <a:rPr dirty="0"/>
+              <a:t> control (ACID)</a:t>
+            </a:r>
+          </a:p>
+          <a:p>
+            <a:pPr marL="914400" lvl="1" indent="-381000">
+              <a:spcBef>
+                <a:spcPts val="0"/>
+              </a:spcBef>
+              <a:buClr>
+                <a:srgbClr val="000000"/>
+              </a:buClr>
+              <a:buSzPct val="80000"/>
+              <a:buFont typeface="Courier New"/>
+              <a:buChar char="o"/>
+              <a:defRPr sz="2400">
+                <a:solidFill>
+                  <a:srgbClr val="990000"/>
+                </a:solidFill>
+                <a:latin typeface="+mn-lt"/>
+                <a:ea typeface="+mn-ea"/>
+                <a:cs typeface="+mn-cs"/>
+                <a:sym typeface="Arial"/>
+              </a:defRPr>
+            </a:pPr>
+            <a:r>
+              <a:rPr dirty="0"/>
+              <a:t>transactions</a:t>
+            </a:r>
+            <a:r>
+              <a:rPr dirty="0">
+                <a:solidFill>
+                  <a:srgbClr val="000000"/>
+                </a:solidFill>
+              </a:rPr>
+              <a:t>: atomicity, consistency, isolation, durability</a:t>
+            </a:r>
+            <a:endParaRPr sz="2800" dirty="0"/>
+          </a:p>
+          <a:p>
+            <a:pPr marL="457200" indent="-419100">
+              <a:spcBef>
+                <a:spcPts val="1000"/>
+              </a:spcBef>
+              <a:buFont typeface="Arial"/>
+              <a:buChar char="●"/>
+              <a:defRPr sz="2400">
+                <a:latin typeface="+mn-lt"/>
+                <a:ea typeface="+mn-ea"/>
+                <a:cs typeface="+mn-cs"/>
+                <a:sym typeface="Arial"/>
+              </a:defRPr>
+            </a:pPr>
+            <a:r>
+              <a:rPr dirty="0"/>
+              <a:t>Many reliable </a:t>
+            </a:r>
+            <a:r>
+              <a:rPr dirty="0">
+                <a:solidFill>
+                  <a:srgbClr val="990000"/>
+                </a:solidFill>
+              </a:rPr>
+              <a:t>integration</a:t>
+            </a:r>
+            <a:r>
+              <a:rPr dirty="0"/>
+              <a:t> mechanisms</a:t>
+            </a:r>
+          </a:p>
+          <a:p>
+            <a:pPr marL="914400" lvl="1" indent="-381000">
+              <a:spcBef>
+                <a:spcPts val="0"/>
+              </a:spcBef>
+              <a:buClr>
+                <a:srgbClr val="000000"/>
+              </a:buClr>
+              <a:buSzPct val="80000"/>
+              <a:buFont typeface="Courier New"/>
+              <a:buChar char="o"/>
+              <a:defRPr sz="2400">
+                <a:latin typeface="+mn-lt"/>
+                <a:ea typeface="+mn-ea"/>
+                <a:cs typeface="+mn-cs"/>
+                <a:sym typeface="Arial"/>
+              </a:defRPr>
+            </a:pPr>
+            <a:r>
+              <a:rPr dirty="0"/>
+              <a:t>“shared database integration” of applications</a:t>
+            </a:r>
+          </a:p>
+        </p:txBody>
+      </p:sp>
+    </p:spTree>
+  </p:cSld>
+  <p:clrMapOvr>
+    <a:masterClrMapping/>
+  </p:clrMapOvr>
+  <mc:AlternateContent xmlns:mc="http://schemas.openxmlformats.org/markup-compatibility/2006" xmlns:p14="http://schemas.microsoft.com/office/powerpoint/2010/main">
+    <mc:Choice Requires="p14">
+      <p:transition p14:dur="250">
+        <p:dissolve/>
+      </p:transition>
+    </mc:Choice>
+    <mc:Fallback xmlns="">
+      <p:transition spd="fast">
+        <p:fade/>
+      </p:transition>
+    </mc:Fallback>
+  </mc:AlternateContent>
+</p:sld>
+</file>
+
+<file path=ppt/slides/slide40.xml><?xml version="1.0" encoding="utf-8"?>
 <p:sld xmlns:a="http://schemas.openxmlformats.org/drawingml/2006/main" xmlns:r="http://schemas.openxmlformats.org/officeDocument/2006/relationships" xmlns:p="http://schemas.openxmlformats.org/presentationml/2006/main">
   <p:cSld>
     <p:spTree>
@@ -13734,8 +15355,35 @@
           </a:ln>
         </p:spPr>
         <p:txBody>
-          <a:bodyPr/>
+          <a:bodyPr>
+            <a:normAutofit fontScale="92500" lnSpcReduction="20000"/>
+          </a:bodyPr>
           <a:lstStyle/>
+          <a:p>
+            <a:pPr>
+              <a:spcBef>
+                <a:spcPts val="0"/>
+              </a:spcBef>
+              <a:buSzTx/>
+              <a:buNone/>
+              <a:defRPr sz="1800" b="1"/>
+            </a:pPr>
+            <a:r>
+              <a:rPr lang="en-US" sz="1800" i="1" dirty="0"/>
+              <a:t># assuming the node with the name ‘Andres’ is related through many intermediate nodes to other nodes</a:t>
+            </a:r>
+          </a:p>
+          <a:p>
+            <a:pPr>
+              <a:spcBef>
+                <a:spcPts val="0"/>
+              </a:spcBef>
+              <a:buSzTx/>
+              <a:buNone/>
+              <a:defRPr sz="1800" b="1"/>
+            </a:pPr>
+            <a:endParaRPr lang="en-US" dirty="0"/>
+          </a:p>
           <a:p>
             <a:pPr>
               <a:spcBef>
@@ -13858,6 +15506,20 @@
             <a:normAutofit/>
           </a:bodyPr>
           <a:lstStyle/>
+          <a:p>
+            <a:pPr marL="342900" indent="-342900" defTabSz="457200">
+              <a:defRPr sz="1800" b="1"/>
+            </a:pPr>
+            <a:r>
+              <a:rPr lang="en-US" sz="1800" i="1" dirty="0"/>
+              <a:t># assuming the node with the name ‘Andres’ is related through different intermediate nodes to the node with the name </a:t>
+            </a:r>
+            <a:r>
+              <a:rPr lang="en-US" sz="1800" i="1"/>
+              <a:t>‘David’</a:t>
+            </a:r>
+            <a:endParaRPr lang="en-US" dirty="0"/>
+          </a:p>
           <a:p>
             <a:pPr marL="342900" indent="-342900" defTabSz="457200">
               <a:defRPr sz="1800" b="1"/>
@@ -14061,7 +15723,7 @@
 </p:sld>
 </file>
 
-<file path=ppt/slides/slide37.xml><?xml version="1.0" encoding="utf-8"?>
+<file path=ppt/slides/slide41.xml><?xml version="1.0" encoding="utf-8"?>
 <p:sld xmlns:a="http://schemas.openxmlformats.org/drawingml/2006/main" xmlns:r="http://schemas.openxmlformats.org/officeDocument/2006/relationships" xmlns:p="http://schemas.openxmlformats.org/presentationml/2006/main">
   <p:cSld>
     <p:spTree>
@@ -14289,7 +15951,7 @@
 </p:sld>
 </file>
 
-<file path=ppt/slides/slide38.xml><?xml version="1.0" encoding="utf-8"?>
+<file path=ppt/slides/slide42.xml><?xml version="1.0" encoding="utf-8"?>
 <p:sld xmlns:a="http://schemas.openxmlformats.org/drawingml/2006/main" xmlns:r="http://schemas.openxmlformats.org/officeDocument/2006/relationships" xmlns:p="http://schemas.openxmlformats.org/presentationml/2006/main">
   <p:cSld>
     <p:spTree>
@@ -16051,7 +17713,7 @@
 </p:sld>
 </file>
 
-<file path=ppt/slides/slide39.xml><?xml version="1.0" encoding="utf-8"?>
+<file path=ppt/slides/slide43.xml><?xml version="1.0" encoding="utf-8"?>
 <p:sld xmlns:a="http://schemas.openxmlformats.org/drawingml/2006/main" xmlns:r="http://schemas.openxmlformats.org/officeDocument/2006/relationships" xmlns:p="http://schemas.openxmlformats.org/presentationml/2006/main">
   <p:cSld>
     <p:spTree>
@@ -16231,354 +17893,6 @@
     <a:masterClrMapping/>
   </p:clrMapOvr>
   <p:transition spd="slow"/>
-</p:sld>
-</file>
-
-<file path=ppt/slides/slide4.xml><?xml version="1.0" encoding="utf-8"?>
-<p:sld xmlns:a="http://schemas.openxmlformats.org/drawingml/2006/main" xmlns:r="http://schemas.openxmlformats.org/officeDocument/2006/relationships" xmlns:p="http://schemas.openxmlformats.org/presentationml/2006/main">
-  <p:cSld>
-    <p:spTree>
-      <p:nvGrpSpPr>
-        <p:cNvPr id="1" name=""/>
-        <p:cNvGrpSpPr/>
-        <p:nvPr/>
-      </p:nvGrpSpPr>
-      <p:grpSpPr>
-        <a:xfrm>
-          <a:off x="0" y="0"/>
-          <a:ext cx="0" cy="0"/>
-          <a:chOff x="0" y="0"/>
-          <a:chExt cx="0" cy="0"/>
-        </a:xfrm>
-      </p:grpSpPr>
-      <p:sp>
-        <p:nvSpPr>
-          <p:cNvPr id="138" name="Shape 138"/>
-          <p:cNvSpPr>
-            <a:spLocks noGrp="1"/>
-          </p:cNvSpPr>
-          <p:nvPr>
-            <p:ph type="title"/>
-          </p:nvPr>
-        </p:nvSpPr>
-        <p:spPr>
-          <a:xfrm>
-            <a:off x="457200" y="228850"/>
-            <a:ext cx="8523600" cy="733800"/>
-          </a:xfrm>
-          <a:prstGeom prst="rect">
-            <a:avLst/>
-          </a:prstGeom>
-        </p:spPr>
-        <p:txBody>
-          <a:bodyPr/>
-          <a:lstStyle>
-            <a:lvl1pPr>
-              <a:defRPr sz="2400"/>
-            </a:lvl1pPr>
-          </a:lstStyle>
-          <a:p>
-            <a:r>
-              <a:t>Advantages of Relational Databases</a:t>
-            </a:r>
-          </a:p>
-        </p:txBody>
-      </p:sp>
-      <p:sp>
-        <p:nvSpPr>
-          <p:cNvPr id="139" name="Shape 139"/>
-          <p:cNvSpPr>
-            <a:spLocks noGrp="1"/>
-          </p:cNvSpPr>
-          <p:nvPr>
-            <p:ph type="body" idx="1"/>
-          </p:nvPr>
-        </p:nvSpPr>
-        <p:spPr>
-          <a:xfrm>
-            <a:off x="457199" y="1038399"/>
-            <a:ext cx="8432101" cy="4434601"/>
-          </a:xfrm>
-          <a:prstGeom prst="rect">
-            <a:avLst/>
-          </a:prstGeom>
-        </p:spPr>
-        <p:txBody>
-          <a:bodyPr/>
-          <a:lstStyle/>
-          <a:p>
-            <a:pPr marL="457200" indent="-419100">
-              <a:spcBef>
-                <a:spcPts val="1000"/>
-              </a:spcBef>
-              <a:buFont typeface="Arial"/>
-              <a:buChar char="●"/>
-              <a:defRPr sz="2400">
-                <a:latin typeface="+mn-lt"/>
-                <a:ea typeface="+mn-ea"/>
-                <a:cs typeface="+mn-cs"/>
-                <a:sym typeface="Arial"/>
-              </a:defRPr>
-            </a:pPr>
-            <a:r>
-              <a:rPr dirty="0"/>
-              <a:t>A (mostly) </a:t>
-            </a:r>
-            <a:r>
-              <a:rPr dirty="0">
-                <a:solidFill>
-                  <a:srgbClr val="990000"/>
-                </a:solidFill>
-              </a:rPr>
-              <a:t>standard</a:t>
-            </a:r>
-            <a:r>
-              <a:rPr dirty="0"/>
-              <a:t> data model</a:t>
-            </a:r>
-          </a:p>
-          <a:p>
-            <a:pPr marL="457200" indent="-419100">
-              <a:spcBef>
-                <a:spcPts val="0"/>
-              </a:spcBef>
-              <a:buFont typeface="Arial"/>
-              <a:buChar char="●"/>
-              <a:defRPr sz="2400">
-                <a:latin typeface="+mn-lt"/>
-                <a:ea typeface="+mn-ea"/>
-                <a:cs typeface="+mn-cs"/>
-                <a:sym typeface="Arial"/>
-              </a:defRPr>
-            </a:pPr>
-            <a:r>
-              <a:rPr dirty="0"/>
-              <a:t>Many well </a:t>
-            </a:r>
-            <a:r>
-              <a:rPr dirty="0">
-                <a:solidFill>
-                  <a:srgbClr val="990000"/>
-                </a:solidFill>
-              </a:rPr>
-              <a:t>developed</a:t>
-            </a:r>
-            <a:r>
-              <a:rPr dirty="0"/>
-              <a:t> technologies</a:t>
-            </a:r>
-          </a:p>
-          <a:p>
-            <a:pPr marL="914400" lvl="1" indent="-381000">
-              <a:spcBef>
-                <a:spcPts val="0"/>
-              </a:spcBef>
-              <a:buClr>
-                <a:srgbClr val="000000"/>
-              </a:buClr>
-              <a:buSzPct val="80000"/>
-              <a:buFont typeface="Courier New"/>
-              <a:buChar char="o"/>
-              <a:defRPr sz="2400">
-                <a:latin typeface="+mn-lt"/>
-                <a:ea typeface="+mn-ea"/>
-                <a:cs typeface="+mn-cs"/>
-                <a:sym typeface="Arial"/>
-              </a:defRPr>
-            </a:pPr>
-            <a:r>
-              <a:rPr dirty="0"/>
-              <a:t>physical organization of the data</a:t>
-            </a:r>
-            <a:endParaRPr sz="2800" dirty="0"/>
-          </a:p>
-          <a:p>
-            <a:pPr marL="914400" lvl="1" indent="-381000">
-              <a:spcBef>
-                <a:spcPts val="0"/>
-              </a:spcBef>
-              <a:buClr>
-                <a:srgbClr val="000000"/>
-              </a:buClr>
-              <a:buSzPct val="80000"/>
-              <a:buFont typeface="Courier New"/>
-              <a:buChar char="o"/>
-              <a:defRPr sz="2400">
-                <a:latin typeface="+mn-lt"/>
-                <a:ea typeface="+mn-ea"/>
-                <a:cs typeface="+mn-cs"/>
-                <a:sym typeface="Arial"/>
-              </a:defRPr>
-            </a:pPr>
-            <a:r>
-              <a:rPr dirty="0"/>
-              <a:t>search indexes: hash indexes</a:t>
-            </a:r>
-            <a:endParaRPr sz="2800" dirty="0"/>
-          </a:p>
-          <a:p>
-            <a:pPr marL="914400" lvl="1" indent="-381000">
-              <a:spcBef>
-                <a:spcPts val="0"/>
-              </a:spcBef>
-              <a:buClr>
-                <a:srgbClr val="000000"/>
-              </a:buClr>
-              <a:buSzPct val="80000"/>
-              <a:buFont typeface="Courier New"/>
-              <a:buChar char="o"/>
-              <a:defRPr sz="2400">
-                <a:latin typeface="+mn-lt"/>
-                <a:ea typeface="+mn-ea"/>
-                <a:cs typeface="+mn-cs"/>
-                <a:sym typeface="Arial"/>
-              </a:defRPr>
-            </a:pPr>
-            <a:r>
-              <a:rPr dirty="0"/>
-              <a:t>query optimization, search operator implementations</a:t>
-            </a:r>
-            <a:endParaRPr sz="2800" dirty="0"/>
-          </a:p>
-          <a:p>
-            <a:pPr marL="457200" indent="-419100">
-              <a:spcBef>
-                <a:spcPts val="1000"/>
-              </a:spcBef>
-              <a:buFont typeface="Arial"/>
-              <a:buChar char="●"/>
-              <a:defRPr sz="2400">
-                <a:latin typeface="+mn-lt"/>
-                <a:ea typeface="+mn-ea"/>
-                <a:cs typeface="+mn-cs"/>
-                <a:sym typeface="Arial"/>
-              </a:defRPr>
-            </a:pPr>
-            <a:r>
-              <a:rPr dirty="0"/>
-              <a:t>Reliable </a:t>
-            </a:r>
-            <a:r>
-              <a:rPr dirty="0">
-                <a:solidFill>
-                  <a:srgbClr val="990000"/>
-                </a:solidFill>
-              </a:rPr>
-              <a:t>concurrency</a:t>
-            </a:r>
-            <a:r>
-              <a:rPr dirty="0"/>
-              <a:t> control (ACID)</a:t>
-            </a:r>
-          </a:p>
-          <a:p>
-            <a:pPr marL="914400" lvl="1" indent="-381000">
-              <a:spcBef>
-                <a:spcPts val="0"/>
-              </a:spcBef>
-              <a:buClr>
-                <a:srgbClr val="000000"/>
-              </a:buClr>
-              <a:buSzPct val="80000"/>
-              <a:buFont typeface="Courier New"/>
-              <a:buChar char="o"/>
-              <a:defRPr sz="2400">
-                <a:solidFill>
-                  <a:srgbClr val="990000"/>
-                </a:solidFill>
-                <a:latin typeface="+mn-lt"/>
-                <a:ea typeface="+mn-ea"/>
-                <a:cs typeface="+mn-cs"/>
-                <a:sym typeface="Arial"/>
-              </a:defRPr>
-            </a:pPr>
-            <a:r>
-              <a:rPr dirty="0"/>
-              <a:t>transactions</a:t>
-            </a:r>
-            <a:r>
-              <a:rPr dirty="0">
-                <a:solidFill>
-                  <a:srgbClr val="000000"/>
-                </a:solidFill>
-              </a:rPr>
-              <a:t>: atomicity, consistency, isolation, durability</a:t>
-            </a:r>
-            <a:endParaRPr sz="2800" dirty="0"/>
-          </a:p>
-          <a:p>
-            <a:pPr marL="457200" indent="-419100">
-              <a:spcBef>
-                <a:spcPts val="1000"/>
-              </a:spcBef>
-              <a:buFont typeface="Arial"/>
-              <a:buChar char="●"/>
-              <a:defRPr sz="2400">
-                <a:latin typeface="+mn-lt"/>
-                <a:ea typeface="+mn-ea"/>
-                <a:cs typeface="+mn-cs"/>
-                <a:sym typeface="Arial"/>
-              </a:defRPr>
-            </a:pPr>
-            <a:r>
-              <a:rPr dirty="0"/>
-              <a:t>Many reliable </a:t>
-            </a:r>
-            <a:r>
-              <a:rPr dirty="0">
-                <a:solidFill>
-                  <a:srgbClr val="990000"/>
-                </a:solidFill>
-              </a:rPr>
-              <a:t>integration</a:t>
-            </a:r>
-            <a:r>
-              <a:rPr dirty="0"/>
-              <a:t> mechanisms</a:t>
-            </a:r>
-          </a:p>
-          <a:p>
-            <a:pPr marL="914400" lvl="1" indent="-381000">
-              <a:spcBef>
-                <a:spcPts val="0"/>
-              </a:spcBef>
-              <a:buClr>
-                <a:srgbClr val="000000"/>
-              </a:buClr>
-              <a:buSzPct val="80000"/>
-              <a:buFont typeface="Courier New"/>
-              <a:buChar char="o"/>
-              <a:defRPr sz="2400">
-                <a:latin typeface="+mn-lt"/>
-                <a:ea typeface="+mn-ea"/>
-                <a:cs typeface="+mn-cs"/>
-                <a:sym typeface="Arial"/>
-              </a:defRPr>
-            </a:pPr>
-            <a:r>
-              <a:rPr dirty="0"/>
-              <a:t>“shared database integration” of applications</a:t>
-            </a:r>
-          </a:p>
-        </p:txBody>
-      </p:sp>
-    </p:spTree>
-  </p:cSld>
-  <p:clrMapOvr>
-    <a:masterClrMapping/>
-  </p:clrMapOvr>
-  <mc:AlternateContent xmlns:mc="http://schemas.openxmlformats.org/markup-compatibility/2006" xmlns:p14="http://schemas.microsoft.com/office/powerpoint/2010/main">
-    <mc:Choice Requires="p14">
-      <p:transition p14:dur="250">
-        <p:dissolve/>
-      </p:transition>
-    </mc:Choice>
-    <mc:Fallback xmlns="">
-      <p:transition spd="fast">
-        <p:fade/>
-      </p:transition>
-    </mc:Fallback>
-  </mc:AlternateContent>
 </p:sld>
 </file>
 
